--- a/High-performance powershell through the magic of runspaces.pptx
+++ b/High-performance powershell through the magic of runspaces.pptx
@@ -11,15 +11,15 @@
     <p:sldId id="256" r:id="rId5"/>
     <p:sldId id="257" r:id="rId6"/>
     <p:sldId id="280" r:id="rId7"/>
-    <p:sldId id="284" r:id="rId8"/>
-    <p:sldId id="281" r:id="rId9"/>
+    <p:sldId id="281" r:id="rId8"/>
+    <p:sldId id="284" r:id="rId9"/>
     <p:sldId id="283" r:id="rId10"/>
     <p:sldId id="282" r:id="rId11"/>
-    <p:sldId id="296" r:id="rId12"/>
-    <p:sldId id="297" r:id="rId13"/>
-    <p:sldId id="285" r:id="rId14"/>
-    <p:sldId id="286" r:id="rId15"/>
-    <p:sldId id="287" r:id="rId16"/>
+    <p:sldId id="285" r:id="rId12"/>
+    <p:sldId id="286" r:id="rId13"/>
+    <p:sldId id="287" r:id="rId14"/>
+    <p:sldId id="296" r:id="rId15"/>
+    <p:sldId id="297" r:id="rId16"/>
     <p:sldId id="288" r:id="rId17"/>
     <p:sldId id="289" r:id="rId18"/>
     <p:sldId id="293" r:id="rId19"/>
@@ -158,15 +158,15 @@
         <p14:section name="Presentation" id="{866A3E68-017F-4F94-A6C6-BFF303BC3121}">
           <p14:sldIdLst>
             <p14:sldId id="280"/>
+            <p14:sldId id="281"/>
             <p14:sldId id="284"/>
-            <p14:sldId id="281"/>
             <p14:sldId id="283"/>
             <p14:sldId id="282"/>
-            <p14:sldId id="296"/>
-            <p14:sldId id="297"/>
             <p14:sldId id="285"/>
             <p14:sldId id="286"/>
             <p14:sldId id="287"/>
+            <p14:sldId id="296"/>
+            <p14:sldId id="297"/>
             <p14:sldId id="288"/>
             <p14:sldId id="289"/>
             <p14:sldId id="293"/>
@@ -302,7 +302,7 @@
           <a:p>
             <a:fld id="{EC2CC04A-C335-487A-8178-6C90F0F29C95}" type="datetimeFigureOut">
               <a:rPr lang="en-US" smtClean="0"/>
-              <a:t>4/23/2019</a:t>
+              <a:t>4/25/2019</a:t>
             </a:fld>
             <a:endParaRPr lang="en-US"/>
           </a:p>
@@ -5783,518 +5783,42 @@
       </p:grpSpPr>
       <p:sp>
         <p:nvSpPr>
-          <p:cNvPr id="2" name="Title 1">
-            <a:extLst>
-              <a:ext uri="{FF2B5EF4-FFF2-40B4-BE49-F238E27FC236}">
-                <a16:creationId xmlns:a16="http://schemas.microsoft.com/office/drawing/2014/main" id="{04E6967A-588C-4984-AEE2-4D79DCAC6260}"/>
-              </a:ext>
-            </a:extLst>
-          </p:cNvPr>
+          <p:cNvPr id="7" name="Text Placeholder 6"/>
           <p:cNvSpPr>
             <a:spLocks noGrp="1"/>
           </p:cNvSpPr>
           <p:nvPr>
-            <p:ph type="title"/>
+            <p:ph type="body" idx="1"/>
           </p:nvPr>
         </p:nvSpPr>
         <p:spPr/>
         <p:txBody>
-          <a:bodyPr/>
+          <a:bodyPr>
+            <a:normAutofit fontScale="92500" lnSpcReduction="10000"/>
+          </a:bodyPr>
           <a:lstStyle/>
           <a:p>
             <a:r>
+              <a:rPr lang="en-US" dirty="0" err="1"/>
+              <a:t>Runspace</a:t>
+            </a:r>
+            <a:r>
               <a:rPr lang="en-US" dirty="0"/>
-              <a:t>What are the components you need?</a:t>
+              <a:t> </a:t>
+            </a:r>
+          </a:p>
+          <a:p>
+            <a:r>
+              <a:rPr lang="en-US" dirty="0"/>
+              <a:t>Q&amp;A</a:t>
             </a:r>
           </a:p>
         </p:txBody>
       </p:sp>
-      <p:graphicFrame>
-        <p:nvGraphicFramePr>
-          <p:cNvPr id="4" name="Content Placeholder 3">
-            <a:extLst>
-              <a:ext uri="{FF2B5EF4-FFF2-40B4-BE49-F238E27FC236}">
-                <a16:creationId xmlns:a16="http://schemas.microsoft.com/office/drawing/2014/main" id="{DF9298E2-5F22-4F94-ABB8-AFB1BF0297B5}"/>
-              </a:ext>
-            </a:extLst>
-          </p:cNvPr>
-          <p:cNvGraphicFramePr>
-            <a:graphicFrameLocks noGrp="1"/>
-          </p:cNvGraphicFramePr>
-          <p:nvPr>
-            <p:ph idx="1"/>
-            <p:extLst>
-              <p:ext uri="{D42A27DB-BD31-4B8C-83A1-F6EECF244321}">
-                <p14:modId xmlns:p14="http://schemas.microsoft.com/office/powerpoint/2010/main" val="541385308"/>
-              </p:ext>
-            </p:extLst>
-          </p:nvPr>
-        </p:nvGraphicFramePr>
-        <p:xfrm>
-          <a:off x="169816" y="1350065"/>
-          <a:ext cx="11852367" cy="2656840"/>
-        </p:xfrm>
-        <a:graphic>
-          <a:graphicData uri="http://schemas.openxmlformats.org/drawingml/2006/table">
-            <a:tbl>
-              <a:tblPr firstRow="1" bandRow="1">
-                <a:tableStyleId>{5C22544A-7EE6-4342-B048-85BDC9FD1C3A}</a:tableStyleId>
-              </a:tblPr>
-              <a:tblGrid>
-                <a:gridCol w="3950789">
-                  <a:extLst>
-                    <a:ext uri="{9D8B030D-6E8A-4147-A177-3AD203B41FA5}">
-                      <a16:colId xmlns:a16="http://schemas.microsoft.com/office/drawing/2014/main" val="1796025412"/>
-                    </a:ext>
-                  </a:extLst>
-                </a:gridCol>
-                <a:gridCol w="3950789">
-                  <a:extLst>
-                    <a:ext uri="{9D8B030D-6E8A-4147-A177-3AD203B41FA5}">
-                      <a16:colId xmlns:a16="http://schemas.microsoft.com/office/drawing/2014/main" val="3939348429"/>
-                    </a:ext>
-                  </a:extLst>
-                </a:gridCol>
-                <a:gridCol w="3950789">
-                  <a:extLst>
-                    <a:ext uri="{9D8B030D-6E8A-4147-A177-3AD203B41FA5}">
-                      <a16:colId xmlns:a16="http://schemas.microsoft.com/office/drawing/2014/main" val="3080938705"/>
-                    </a:ext>
-                  </a:extLst>
-                </a:gridCol>
-              </a:tblGrid>
-              <a:tr h="370840">
-                <a:tc>
-                  <a:txBody>
-                    <a:bodyPr/>
-                    <a:lstStyle/>
-                    <a:p>
-                      <a:pPr algn="ctr"/>
-                      <a:r>
-                        <a:rPr lang="en-US" dirty="0" err="1"/>
-                        <a:t>InitialSessionState</a:t>
-                      </a:r>
-                      <a:endParaRPr lang="en-US" dirty="0"/>
-                    </a:p>
-                  </a:txBody>
-                  <a:tcPr>
-                    <a:lnL w="12700" cmpd="sng">
-                      <a:noFill/>
-                    </a:lnL>
-                    <a:lnR w="12700" cmpd="sng">
-                      <a:noFill/>
-                    </a:lnR>
-                    <a:lnT w="12700" cmpd="sng">
-                      <a:noFill/>
-                    </a:lnT>
-                    <a:lnB w="38100" cmpd="sng">
-                      <a:noFill/>
-                    </a:lnB>
-                    <a:lnTlToBr w="12700" cmpd="sng">
-                      <a:noFill/>
-                      <a:prstDash val="solid"/>
-                    </a:lnTlToBr>
-                    <a:lnBlToTr w="12700" cmpd="sng">
-                      <a:noFill/>
-                      <a:prstDash val="solid"/>
-                    </a:lnBlToTr>
-                    <a:noFill/>
-                  </a:tcPr>
-                </a:tc>
-                <a:tc>
-                  <a:txBody>
-                    <a:bodyPr/>
-                    <a:lstStyle/>
-                    <a:p>
-                      <a:pPr algn="ctr"/>
-                      <a:r>
-                        <a:rPr lang="en-US" dirty="0" err="1"/>
-                        <a:t>Runspaces</a:t>
-                      </a:r>
-                      <a:r>
-                        <a:rPr lang="en-US" dirty="0"/>
-                        <a:t>/</a:t>
-                      </a:r>
-                      <a:r>
-                        <a:rPr lang="en-US" dirty="0" err="1"/>
-                        <a:t>RunspacePool</a:t>
-                      </a:r>
-                      <a:endParaRPr lang="en-US" dirty="0"/>
-                    </a:p>
-                  </a:txBody>
-                  <a:tcPr>
-                    <a:lnL w="12700" cmpd="sng">
-                      <a:noFill/>
-                    </a:lnL>
-                    <a:lnR w="12700" cmpd="sng">
-                      <a:noFill/>
-                    </a:lnR>
-                    <a:lnT w="12700" cmpd="sng">
-                      <a:noFill/>
-                    </a:lnT>
-                    <a:lnB w="38100" cmpd="sng">
-                      <a:noFill/>
-                    </a:lnB>
-                    <a:lnTlToBr w="12700" cmpd="sng">
-                      <a:noFill/>
-                      <a:prstDash val="solid"/>
-                    </a:lnTlToBr>
-                    <a:lnBlToTr w="12700" cmpd="sng">
-                      <a:noFill/>
-                      <a:prstDash val="solid"/>
-                    </a:lnBlToTr>
-                    <a:noFill/>
-                  </a:tcPr>
-                </a:tc>
-                <a:tc>
-                  <a:txBody>
-                    <a:bodyPr/>
-                    <a:lstStyle/>
-                    <a:p>
-                      <a:pPr algn="ctr"/>
-                      <a:r>
-                        <a:rPr lang="en-US" dirty="0" err="1"/>
-                        <a:t>Powershell</a:t>
-                      </a:r>
-                      <a:endParaRPr lang="en-US" dirty="0"/>
-                    </a:p>
-                  </a:txBody>
-                  <a:tcPr>
-                    <a:lnL w="12700" cmpd="sng">
-                      <a:noFill/>
-                    </a:lnL>
-                    <a:lnR w="12700" cmpd="sng">
-                      <a:noFill/>
-                    </a:lnR>
-                    <a:lnT w="12700" cmpd="sng">
-                      <a:noFill/>
-                    </a:lnT>
-                    <a:lnB w="38100" cmpd="sng">
-                      <a:noFill/>
-                    </a:lnB>
-                    <a:lnTlToBr w="12700" cmpd="sng">
-                      <a:noFill/>
-                      <a:prstDash val="solid"/>
-                    </a:lnTlToBr>
-                    <a:lnBlToTr w="12700" cmpd="sng">
-                      <a:noFill/>
-                      <a:prstDash val="solid"/>
-                    </a:lnBlToTr>
-                    <a:noFill/>
-                  </a:tcPr>
-                </a:tc>
-                <a:extLst>
-                  <a:ext uri="{0D108BD9-81ED-4DB2-BD59-A6C34878D82A}">
-                    <a16:rowId xmlns:a16="http://schemas.microsoft.com/office/drawing/2014/main" val="1975956896"/>
-                  </a:ext>
-                </a:extLst>
-              </a:tr>
-              <a:tr h="370840">
-                <a:tc>
-                  <a:txBody>
-                    <a:bodyPr/>
-                    <a:lstStyle/>
-                    <a:p>
-                      <a:pPr marL="285750" indent="-285750">
-                        <a:buFont typeface="Arial" panose="020B0604020202020204" pitchFamily="34" charset="0"/>
-                        <a:buChar char="•"/>
-                      </a:pPr>
-                      <a:r>
-                        <a:rPr lang="en-US" dirty="0">
-                          <a:solidFill>
-                            <a:schemeClr val="tx1"/>
-                          </a:solidFill>
-                        </a:rPr>
-                        <a:t>This is the resources, modules, variables, and Startup Scripts you want to run against your thread before your code executes.</a:t>
-                      </a:r>
-                    </a:p>
-                    <a:p>
-                      <a:pPr marL="285750" indent="-285750">
-                        <a:buFont typeface="Arial" panose="020B0604020202020204" pitchFamily="34" charset="0"/>
-                        <a:buChar char="•"/>
-                      </a:pPr>
-                      <a:r>
-                        <a:rPr lang="en-US" dirty="0">
-                          <a:solidFill>
-                            <a:schemeClr val="tx1"/>
-                          </a:solidFill>
-                        </a:rPr>
-                        <a:t>Default is good</a:t>
-                      </a:r>
-                    </a:p>
-                    <a:p>
-                      <a:pPr marL="285750" indent="-285750">
-                        <a:buFont typeface="Arial" panose="020B0604020202020204" pitchFamily="34" charset="0"/>
-                        <a:buChar char="•"/>
-                      </a:pPr>
-                      <a:r>
-                        <a:rPr lang="en-US" dirty="0">
-                          <a:solidFill>
-                            <a:schemeClr val="tx1"/>
-                          </a:solidFill>
-                        </a:rPr>
-                        <a:t>Building your own is annoying but great performance!</a:t>
-                      </a:r>
-                    </a:p>
-                  </a:txBody>
-                  <a:tcPr>
-                    <a:lnL w="12700" cmpd="sng">
-                      <a:noFill/>
-                    </a:lnL>
-                    <a:lnR w="12700" cmpd="sng">
-                      <a:noFill/>
-                    </a:lnR>
-                    <a:lnT w="38100" cmpd="sng">
-                      <a:noFill/>
-                    </a:lnT>
-                    <a:lnB w="12700" cmpd="sng">
-                      <a:noFill/>
-                    </a:lnB>
-                    <a:lnTlToBr w="12700" cmpd="sng">
-                      <a:noFill/>
-                      <a:prstDash val="solid"/>
-                    </a:lnTlToBr>
-                    <a:lnBlToTr w="12700" cmpd="sng">
-                      <a:noFill/>
-                      <a:prstDash val="solid"/>
-                    </a:lnBlToTr>
-                    <a:noFill/>
-                  </a:tcPr>
-                </a:tc>
-                <a:tc>
-                  <a:txBody>
-                    <a:bodyPr/>
-                    <a:lstStyle/>
-                    <a:p>
-                      <a:pPr marL="285750" indent="-285750">
-                        <a:buFont typeface="Arial" panose="020B0604020202020204" pitchFamily="34" charset="0"/>
-                        <a:buChar char="•"/>
-                      </a:pPr>
-                      <a:r>
-                        <a:rPr lang="en-US" dirty="0">
-                          <a:solidFill>
-                            <a:schemeClr val="tx1"/>
-                          </a:solidFill>
-                        </a:rPr>
-                        <a:t>This is the container for your processes.</a:t>
-                      </a:r>
-                    </a:p>
-                    <a:p>
-                      <a:pPr marL="285750" indent="-285750">
-                        <a:buFont typeface="Arial" panose="020B0604020202020204" pitchFamily="34" charset="0"/>
-                        <a:buChar char="•"/>
-                      </a:pPr>
-                      <a:r>
-                        <a:rPr lang="en-US" dirty="0">
-                          <a:solidFill>
-                            <a:schemeClr val="tx1"/>
-                          </a:solidFill>
-                        </a:rPr>
-                        <a:t>Matches up host, connection info, </a:t>
-                      </a:r>
-                      <a:r>
-                        <a:rPr lang="en-US" dirty="0" err="1">
-                          <a:solidFill>
-                            <a:schemeClr val="tx1"/>
-                          </a:solidFill>
-                        </a:rPr>
-                        <a:t>InitialSessionState</a:t>
-                      </a:r>
-                      <a:r>
-                        <a:rPr lang="en-US" dirty="0">
-                          <a:solidFill>
-                            <a:schemeClr val="tx1"/>
-                          </a:solidFill>
-                        </a:rPr>
-                        <a:t> and other things to you script.</a:t>
-                      </a:r>
-                    </a:p>
-                    <a:p>
-                      <a:pPr marL="285750" indent="-285750">
-                        <a:buFont typeface="Arial" panose="020B0604020202020204" pitchFamily="34" charset="0"/>
-                        <a:buChar char="•"/>
-                      </a:pPr>
-                      <a:r>
-                        <a:rPr lang="en-US" dirty="0" err="1">
-                          <a:solidFill>
-                            <a:schemeClr val="tx1"/>
-                          </a:solidFill>
-                        </a:rPr>
-                        <a:t>Runspaces</a:t>
-                      </a:r>
-                      <a:r>
-                        <a:rPr lang="en-US" dirty="0">
-                          <a:solidFill>
-                            <a:schemeClr val="tx1"/>
-                          </a:solidFill>
-                        </a:rPr>
-                        <a:t> = single-thread</a:t>
-                      </a:r>
-                    </a:p>
-                    <a:p>
-                      <a:pPr marL="285750" indent="-285750">
-                        <a:buFont typeface="Arial" panose="020B0604020202020204" pitchFamily="34" charset="0"/>
-                        <a:buChar char="•"/>
-                      </a:pPr>
-                      <a:r>
-                        <a:rPr lang="en-US" dirty="0" err="1">
-                          <a:solidFill>
-                            <a:schemeClr val="tx1"/>
-                          </a:solidFill>
-                        </a:rPr>
-                        <a:t>RunspacePool</a:t>
-                      </a:r>
-                      <a:r>
-                        <a:rPr lang="en-US" dirty="0">
-                          <a:solidFill>
-                            <a:schemeClr val="tx1"/>
-                          </a:solidFill>
-                        </a:rPr>
-                        <a:t> = multi-thread</a:t>
-                      </a:r>
-                    </a:p>
-                    <a:p>
-                      <a:pPr marL="0" indent="0">
-                        <a:buFont typeface="Arial" panose="020B0604020202020204" pitchFamily="34" charset="0"/>
-                        <a:buNone/>
-                      </a:pPr>
-                      <a:endParaRPr lang="en-US" dirty="0">
-                        <a:solidFill>
-                          <a:schemeClr val="tx1"/>
-                        </a:solidFill>
-                      </a:endParaRPr>
-                    </a:p>
-                  </a:txBody>
-                  <a:tcPr>
-                    <a:lnL w="12700" cmpd="sng">
-                      <a:noFill/>
-                    </a:lnL>
-                    <a:lnR w="12700" cmpd="sng">
-                      <a:noFill/>
-                    </a:lnR>
-                    <a:lnT w="38100" cmpd="sng">
-                      <a:noFill/>
-                    </a:lnT>
-                    <a:lnB w="12700" cmpd="sng">
-                      <a:noFill/>
-                    </a:lnB>
-                    <a:lnTlToBr w="12700" cmpd="sng">
-                      <a:noFill/>
-                      <a:prstDash val="solid"/>
-                    </a:lnTlToBr>
-                    <a:lnBlToTr w="12700" cmpd="sng">
-                      <a:noFill/>
-                      <a:prstDash val="solid"/>
-                    </a:lnBlToTr>
-                    <a:noFill/>
-                  </a:tcPr>
-                </a:tc>
-                <a:tc>
-                  <a:txBody>
-                    <a:bodyPr/>
-                    <a:lstStyle/>
-                    <a:p>
-                      <a:pPr marL="285750" indent="-285750">
-                        <a:buFont typeface="Arial" panose="020B0604020202020204" pitchFamily="34" charset="0"/>
-                        <a:buChar char="•"/>
-                      </a:pPr>
-                      <a:r>
-                        <a:rPr lang="en-US" dirty="0">
-                          <a:solidFill>
-                            <a:schemeClr val="tx1"/>
-                          </a:solidFill>
-                        </a:rPr>
-                        <a:t>What gets executed.</a:t>
-                      </a:r>
-                    </a:p>
-                    <a:p>
-                      <a:pPr marL="285750" indent="-285750">
-                        <a:buFont typeface="Arial" panose="020B0604020202020204" pitchFamily="34" charset="0"/>
-                        <a:buChar char="•"/>
-                      </a:pPr>
-                      <a:r>
-                        <a:rPr lang="en-US" dirty="0" err="1">
-                          <a:solidFill>
-                            <a:schemeClr val="tx1"/>
-                          </a:solidFill>
-                        </a:rPr>
-                        <a:t>Scripblock</a:t>
-                      </a:r>
-                      <a:r>
-                        <a:rPr lang="en-US" dirty="0">
-                          <a:solidFill>
-                            <a:schemeClr val="tx1"/>
-                          </a:solidFill>
-                        </a:rPr>
-                        <a:t>, parameters, commands, </a:t>
-                      </a:r>
-                      <a:r>
-                        <a:rPr lang="en-US" dirty="0" err="1">
-                          <a:solidFill>
-                            <a:schemeClr val="tx1"/>
-                          </a:solidFill>
-                        </a:rPr>
-                        <a:t>etc</a:t>
-                      </a:r>
-                      <a:endParaRPr lang="en-US" dirty="0">
-                        <a:solidFill>
-                          <a:schemeClr val="tx1"/>
-                        </a:solidFill>
-                      </a:endParaRPr>
-                    </a:p>
-                    <a:p>
-                      <a:pPr marL="285750" indent="-285750">
-                        <a:buFont typeface="Arial" panose="020B0604020202020204" pitchFamily="34" charset="0"/>
-                        <a:buChar char="•"/>
-                      </a:pPr>
-                      <a:r>
-                        <a:rPr lang="en-US" dirty="0">
-                          <a:solidFill>
-                            <a:schemeClr val="tx1"/>
-                          </a:solidFill>
-                        </a:rPr>
-                        <a:t>How they should be changed together. </a:t>
-                      </a:r>
-                    </a:p>
-                  </a:txBody>
-                  <a:tcPr>
-                    <a:lnL w="12700" cmpd="sng">
-                      <a:noFill/>
-                    </a:lnL>
-                    <a:lnR w="12700" cmpd="sng">
-                      <a:noFill/>
-                    </a:lnR>
-                    <a:lnT w="38100" cmpd="sng">
-                      <a:noFill/>
-                    </a:lnT>
-                    <a:lnB w="12700" cmpd="sng">
-                      <a:noFill/>
-                    </a:lnB>
-                    <a:lnTlToBr w="12700" cmpd="sng">
-                      <a:noFill/>
-                      <a:prstDash val="solid"/>
-                    </a:lnTlToBr>
-                    <a:lnBlToTr w="12700" cmpd="sng">
-                      <a:noFill/>
-                      <a:prstDash val="solid"/>
-                    </a:lnBlToTr>
-                    <a:noFill/>
-                  </a:tcPr>
-                </a:tc>
-                <a:extLst>
-                  <a:ext uri="{0D108BD9-81ED-4DB2-BD59-A6C34878D82A}">
-                    <a16:rowId xmlns:a16="http://schemas.microsoft.com/office/drawing/2014/main" val="1155957663"/>
-                  </a:ext>
-                </a:extLst>
-              </a:tr>
-            </a:tbl>
-          </a:graphicData>
-        </a:graphic>
-      </p:graphicFrame>
     </p:spTree>
     <p:extLst>
       <p:ext uri="{BB962C8B-B14F-4D97-AF65-F5344CB8AC3E}">
-        <p14:creationId xmlns:p14="http://schemas.microsoft.com/office/powerpoint/2010/main" val="4268927425"/>
+        <p14:creationId xmlns:p14="http://schemas.microsoft.com/office/powerpoint/2010/main" val="2752441546"/>
       </p:ext>
     </p:extLst>
   </p:cSld>
@@ -6323,43 +5847,174 @@
       </p:grpSpPr>
       <p:sp>
         <p:nvSpPr>
-          <p:cNvPr id="7" name="Text Placeholder 6"/>
+          <p:cNvPr id="2" name="Title 1">
+            <a:extLst>
+              <a:ext uri="{FF2B5EF4-FFF2-40B4-BE49-F238E27FC236}">
+                <a16:creationId xmlns:a16="http://schemas.microsoft.com/office/drawing/2014/main" id="{7138C905-966F-4ABA-B251-A1357715FB3B}"/>
+              </a:ext>
+            </a:extLst>
+          </p:cNvPr>
           <p:cNvSpPr>
             <a:spLocks noGrp="1"/>
           </p:cNvSpPr>
           <p:nvPr>
-            <p:ph type="body" idx="1"/>
+            <p:ph type="title"/>
           </p:nvPr>
         </p:nvSpPr>
         <p:spPr/>
         <p:txBody>
-          <a:bodyPr>
-            <a:normAutofit fontScale="92500" lnSpcReduction="10000"/>
-          </a:bodyPr>
+          <a:bodyPr/>
           <a:lstStyle/>
           <a:p>
             <a:r>
               <a:rPr lang="en-US" dirty="0"/>
-              <a:t>DEMO</a:t>
-            </a:r>
-          </a:p>
+              <a:t>What about that shared memory?</a:t>
+            </a:r>
+          </a:p>
+        </p:txBody>
+      </p:sp>
+      <p:sp>
+        <p:nvSpPr>
+          <p:cNvPr id="3" name="Content Placeholder 2">
+            <a:extLst>
+              <a:ext uri="{FF2B5EF4-FFF2-40B4-BE49-F238E27FC236}">
+                <a16:creationId xmlns:a16="http://schemas.microsoft.com/office/drawing/2014/main" id="{2228734E-EC4C-4DD8-9CF6-DEFA1B3AD186}"/>
+              </a:ext>
+            </a:extLst>
+          </p:cNvPr>
+          <p:cNvSpPr>
+            <a:spLocks noGrp="1"/>
+          </p:cNvSpPr>
+          <p:nvPr>
+            <p:ph idx="1"/>
+          </p:nvPr>
+        </p:nvSpPr>
+        <p:spPr/>
+        <p:txBody>
+          <a:bodyPr/>
+          <a:lstStyle/>
           <a:p>
             <a:r>
               <a:rPr lang="en-US" dirty="0"/>
-              <a:t>Using </a:t>
-            </a:r>
+              <a:t>Values can be passed to a </a:t>
+            </a:r>
+            <a:r>
+              <a:rPr lang="en-US" dirty="0" err="1"/>
+              <a:t>runspace</a:t>
+            </a:r>
+            <a:r>
+              <a:rPr lang="en-US" dirty="0"/>
+              <a:t> pool via a Synchronous Hash Table</a:t>
+            </a:r>
+          </a:p>
+          <a:p>
+            <a:pPr lvl="1"/>
+            <a:r>
+              <a:rPr lang="en-US" dirty="0">
+                <a:latin typeface="Consolas" panose="020B0609020204030204" pitchFamily="49" charset="0"/>
+              </a:rPr>
+              <a:t>[</a:t>
+            </a:r>
+            <a:r>
+              <a:rPr lang="en-US" dirty="0" err="1">
+                <a:latin typeface="Consolas" panose="020B0609020204030204" pitchFamily="49" charset="0"/>
+              </a:rPr>
+              <a:t>hashtable</a:t>
+            </a:r>
+            <a:r>
+              <a:rPr lang="en-US" dirty="0">
+                <a:latin typeface="Consolas" panose="020B0609020204030204" pitchFamily="49" charset="0"/>
+              </a:rPr>
+              <a:t>]::Synchronized(@{})</a:t>
+            </a:r>
+          </a:p>
+          <a:p>
+            <a:r>
+              <a:rPr lang="en-US" dirty="0"/>
+              <a:t>Single </a:t>
+            </a:r>
+            <a:r>
+              <a:rPr lang="en-US" dirty="0" err="1"/>
+              <a:t>runspaces</a:t>
+            </a:r>
+            <a:endParaRPr lang="en-US" dirty="0"/>
+          </a:p>
+          <a:p>
+            <a:pPr lvl="1"/>
+            <a:r>
+              <a:rPr lang="en-US" dirty="0">
+                <a:latin typeface="Consolas" panose="020B0609020204030204" pitchFamily="49" charset="0"/>
+              </a:rPr>
+              <a:t>$</a:t>
+            </a:r>
+            <a:r>
+              <a:rPr lang="en-US" dirty="0" err="1">
+                <a:latin typeface="Consolas" panose="020B0609020204030204" pitchFamily="49" charset="0"/>
+              </a:rPr>
+              <a:t>Runspace.SessionStateProxy.SetVariable</a:t>
+            </a:r>
+            <a:r>
+              <a:rPr lang="en-US" dirty="0">
+                <a:latin typeface="Consolas" panose="020B0609020204030204" pitchFamily="49" charset="0"/>
+              </a:rPr>
+              <a:t>(‘Name’, $</a:t>
+            </a:r>
+            <a:r>
+              <a:rPr lang="en-US" dirty="0" err="1">
+                <a:latin typeface="Consolas" panose="020B0609020204030204" pitchFamily="49" charset="0"/>
+              </a:rPr>
+              <a:t>HashTable</a:t>
+            </a:r>
+            <a:r>
+              <a:rPr lang="en-US" dirty="0">
+                <a:latin typeface="Consolas" panose="020B0609020204030204" pitchFamily="49" charset="0"/>
+              </a:rPr>
+              <a:t>)</a:t>
+            </a:r>
+          </a:p>
+          <a:p>
             <a:r>
               <a:rPr lang="en-US" dirty="0" err="1"/>
               <a:t>Runspace</a:t>
             </a:r>
+            <a:r>
+              <a:rPr lang="en-US" dirty="0"/>
+              <a:t> Pools</a:t>
+            </a:r>
+          </a:p>
+          <a:p>
+            <a:pPr lvl="1"/>
+            <a:r>
+              <a:rPr lang="en-US" dirty="0"/>
+              <a:t>Passed via Parameter into the script added to the </a:t>
+            </a:r>
+            <a:r>
+              <a:rPr lang="en-US" dirty="0" err="1"/>
+              <a:t>runspace</a:t>
+            </a:r>
             <a:endParaRPr lang="en-US" dirty="0"/>
+          </a:p>
+          <a:p>
+            <a:pPr lvl="1"/>
+            <a:r>
+              <a:rPr lang="en-US" dirty="0"/>
+              <a:t>Other parameters are treated as a local variable to the </a:t>
+            </a:r>
+            <a:r>
+              <a:rPr lang="en-US" dirty="0" err="1"/>
+              <a:t>runspace</a:t>
+            </a:r>
+            <a:r>
+              <a:rPr lang="en-US" dirty="0"/>
+              <a:t>.</a:t>
+            </a:r>
           </a:p>
         </p:txBody>
       </p:sp>
     </p:spTree>
     <p:extLst>
       <p:ext uri="{BB962C8B-B14F-4D97-AF65-F5344CB8AC3E}">
-        <p14:creationId xmlns:p14="http://schemas.microsoft.com/office/powerpoint/2010/main" val="1641866525"/>
+        <p14:creationId xmlns:p14="http://schemas.microsoft.com/office/powerpoint/2010/main" val="289799184"/>
       </p:ext>
     </p:extLst>
   </p:cSld>
@@ -6388,7 +6043,13 @@
       </p:grpSpPr>
       <p:sp>
         <p:nvSpPr>
-          <p:cNvPr id="7" name="Text Placeholder 6"/>
+          <p:cNvPr id="4" name="Text Placeholder 3">
+            <a:extLst>
+              <a:ext uri="{FF2B5EF4-FFF2-40B4-BE49-F238E27FC236}">
+                <a16:creationId xmlns:a16="http://schemas.microsoft.com/office/drawing/2014/main" id="{D5060A55-F983-4B3D-9496-6114645D6CD8}"/>
+              </a:ext>
+            </a:extLst>
+          </p:cNvPr>
           <p:cNvSpPr>
             <a:spLocks noGrp="1"/>
           </p:cNvSpPr>
@@ -6404,18 +6065,14 @@
           <a:lstStyle/>
           <a:p>
             <a:r>
-              <a:rPr lang="en-US" dirty="0" err="1"/>
-              <a:t>Runspace</a:t>
-            </a:r>
-            <a:r>
               <a:rPr lang="en-US" dirty="0"/>
-              <a:t> </a:t>
+              <a:t>DEMO</a:t>
             </a:r>
           </a:p>
           <a:p>
             <a:r>
               <a:rPr lang="en-US" dirty="0"/>
-              <a:t>Q&amp;A</a:t>
+              <a:t>Shared Memory</a:t>
             </a:r>
           </a:p>
         </p:txBody>
@@ -6423,7 +6080,7 @@
     </p:spTree>
     <p:extLst>
       <p:ext uri="{BB962C8B-B14F-4D97-AF65-F5344CB8AC3E}">
-        <p14:creationId xmlns:p14="http://schemas.microsoft.com/office/powerpoint/2010/main" val="2752441546"/>
+        <p14:creationId xmlns:p14="http://schemas.microsoft.com/office/powerpoint/2010/main" val="3680903936"/>
       </p:ext>
     </p:extLst>
   </p:cSld>
@@ -6502,7 +6159,7 @@
             <p:ph idx="1"/>
             <p:extLst>
               <p:ext uri="{D42A27DB-BD31-4B8C-83A1-F6EECF244321}">
-                <p14:modId xmlns:p14="http://schemas.microsoft.com/office/powerpoint/2010/main" val="3017792601"/>
+                <p14:modId xmlns:p14="http://schemas.microsoft.com/office/powerpoint/2010/main" val="3612740495"/>
               </p:ext>
             </p:extLst>
           </p:nvPr>
@@ -6842,21 +6499,8 @@
                             <a:schemeClr val="tx1"/>
                           </a:solidFill>
                         </a:rPr>
-                        <a:t>Thread Options – reset </a:t>
+                        <a:t>Thread Options</a:t>
                       </a:r>
-                      <a:r>
-                        <a:rPr lang="en-US" dirty="0" err="1">
-                          <a:solidFill>
-                            <a:schemeClr val="tx1"/>
-                          </a:solidFill>
-                        </a:rPr>
-                        <a:t>runspaces</a:t>
-                      </a:r>
-                      <a:endParaRPr lang="en-US" dirty="0">
-                        <a:solidFill>
-                          <a:schemeClr val="tx1"/>
-                        </a:solidFill>
-                      </a:endParaRPr>
                     </a:p>
                     <a:p>
                       <a:pPr marL="285750" indent="-285750">
@@ -6879,25 +6523,6 @@
                         </a:rPr>
                         <a:t> (WSMAN)</a:t>
                       </a:r>
-                    </a:p>
-                    <a:p>
-                      <a:pPr marL="285750" indent="-285750">
-                        <a:buFont typeface="Arial" panose="020B0604020202020204" pitchFamily="34" charset="0"/>
-                        <a:buChar char="•"/>
-                      </a:pPr>
-                      <a:r>
-                        <a:rPr lang="en-US" dirty="0" err="1">
-                          <a:solidFill>
-                            <a:schemeClr val="tx1"/>
-                          </a:solidFill>
-                        </a:rPr>
-                        <a:t>InitialSessionState</a:t>
-                      </a:r>
-                      <a:endParaRPr lang="en-US" dirty="0">
-                        <a:solidFill>
-                          <a:schemeClr val="tx1"/>
-                        </a:solidFill>
-                      </a:endParaRPr>
                     </a:p>
                     <a:p>
                       <a:pPr marL="285750" indent="-285750">
@@ -7010,41 +6635,6 @@
                         <a:buFont typeface="Arial" panose="020B0604020202020204" pitchFamily="34" charset="0"/>
                         <a:buChar char="•"/>
                       </a:pPr>
-                      <a:r>
-                        <a:rPr lang="en-US" dirty="0" err="1">
-                          <a:solidFill>
-                            <a:schemeClr val="tx1"/>
-                          </a:solidFill>
-                        </a:rPr>
-                        <a:t>Runspace</a:t>
-                      </a:r>
-                      <a:r>
-                        <a:rPr lang="en-US" dirty="0">
-                          <a:solidFill>
-                            <a:schemeClr val="tx1"/>
-                          </a:solidFill>
-                        </a:rPr>
-                        <a:t>/</a:t>
-                      </a:r>
-                      <a:r>
-                        <a:rPr lang="en-US" dirty="0" err="1">
-                          <a:solidFill>
-                            <a:schemeClr val="tx1"/>
-                          </a:solidFill>
-                        </a:rPr>
-                        <a:t>RunspacePool</a:t>
-                      </a:r>
-                      <a:endParaRPr lang="en-US" dirty="0">
-                        <a:solidFill>
-                          <a:schemeClr val="tx1"/>
-                        </a:solidFill>
-                      </a:endParaRPr>
-                    </a:p>
-                    <a:p>
-                      <a:pPr marL="285750" indent="-285750">
-                        <a:buFont typeface="Arial" panose="020B0604020202020204" pitchFamily="34" charset="0"/>
-                        <a:buChar char="•"/>
-                      </a:pPr>
                       <a:endParaRPr lang="en-US" dirty="0">
                         <a:solidFill>
                           <a:schemeClr val="tx1"/>
@@ -7808,7 +7398,10 @@
           <a:bodyPr/>
           <a:lstStyle/>
           <a:p>
-            <a:endParaRPr lang="en-US" dirty="0"/>
+            <a:r>
+              <a:rPr lang="en-US" dirty="0"/>
+              <a:t>I own a dog</a:t>
+            </a:r>
           </a:p>
         </p:txBody>
       </p:sp>
@@ -16074,6 +15667,890 @@
 </file>
 
 <file path=ppt/slides/slide4.xml><?xml version="1.0" encoding="utf-8"?>
+<p:sld xmlns:a="http://schemas.openxmlformats.org/drawingml/2006/main" xmlns:r="http://schemas.openxmlformats.org/officeDocument/2006/relationships" xmlns:p="http://schemas.openxmlformats.org/presentationml/2006/main">
+  <p:cSld>
+    <p:spTree>
+      <p:nvGrpSpPr>
+        <p:cNvPr id="1" name=""/>
+        <p:cNvGrpSpPr/>
+        <p:nvPr/>
+      </p:nvGrpSpPr>
+      <p:grpSpPr>
+        <a:xfrm>
+          <a:off x="0" y="0"/>
+          <a:ext cx="0" cy="0"/>
+          <a:chOff x="0" y="0"/>
+          <a:chExt cx="0" cy="0"/>
+        </a:xfrm>
+      </p:grpSpPr>
+      <p:sp>
+        <p:nvSpPr>
+          <p:cNvPr id="2" name="Title 1">
+            <a:extLst>
+              <a:ext uri="{FF2B5EF4-FFF2-40B4-BE49-F238E27FC236}">
+                <a16:creationId xmlns:a16="http://schemas.microsoft.com/office/drawing/2014/main" id="{38496E2A-78C1-4385-9EB9-E1D286757780}"/>
+              </a:ext>
+            </a:extLst>
+          </p:cNvPr>
+          <p:cNvSpPr>
+            <a:spLocks noGrp="1"/>
+          </p:cNvSpPr>
+          <p:nvPr>
+            <p:ph type="title"/>
+          </p:nvPr>
+        </p:nvSpPr>
+        <p:spPr/>
+        <p:txBody>
+          <a:bodyPr/>
+          <a:lstStyle/>
+          <a:p>
+            <a:r>
+              <a:rPr lang="en-US" dirty="0"/>
+              <a:t>What is Threading?</a:t>
+            </a:r>
+          </a:p>
+        </p:txBody>
+      </p:sp>
+      <p:sp>
+        <p:nvSpPr>
+          <p:cNvPr id="4" name="Content Placeholder 2">
+            <a:extLst>
+              <a:ext uri="{FF2B5EF4-FFF2-40B4-BE49-F238E27FC236}">
+                <a16:creationId xmlns:a16="http://schemas.microsoft.com/office/drawing/2014/main" id="{BAD88C20-43F1-47F2-8647-94F1B84C1480}"/>
+              </a:ext>
+            </a:extLst>
+          </p:cNvPr>
+          <p:cNvSpPr txBox="1">
+            <a:spLocks/>
+          </p:cNvSpPr>
+          <p:nvPr/>
+        </p:nvSpPr>
+        <p:spPr>
+          <a:xfrm>
+            <a:off x="609600" y="1257300"/>
+            <a:ext cx="10972800" cy="4800600"/>
+          </a:xfrm>
+          <a:prstGeom prst="rect">
+            <a:avLst/>
+          </a:prstGeom>
+        </p:spPr>
+        <p:txBody>
+          <a:bodyPr/>
+          <a:lstStyle>
+            <a:lvl1pPr marL="285750" indent="-285750" algn="l" defTabSz="457200" rtl="0" eaLnBrk="1" latinLnBrk="0" hangingPunct="1">
+              <a:spcBef>
+                <a:spcPct val="20000"/>
+              </a:spcBef>
+              <a:spcAft>
+                <a:spcPts val="600"/>
+              </a:spcAft>
+              <a:buClr>
+                <a:schemeClr val="tx1"/>
+              </a:buClr>
+              <a:buSzPct val="80000"/>
+              <a:buFont typeface="Wingdings 3" panose="05040102010807070707" pitchFamily="18" charset="2"/>
+              <a:buChar char=""/>
+              <a:defRPr sz="2000" kern="1200" cap="none">
+                <a:solidFill>
+                  <a:schemeClr val="tx1"/>
+                </a:solidFill>
+                <a:effectLst/>
+                <a:latin typeface="+mn-lt"/>
+                <a:ea typeface="+mn-ea"/>
+                <a:cs typeface="+mn-cs"/>
+              </a:defRPr>
+            </a:lvl1pPr>
+            <a:lvl2pPr marL="742950" indent="-285750" algn="l" defTabSz="457200" rtl="0" eaLnBrk="1" latinLnBrk="0" hangingPunct="1">
+              <a:spcBef>
+                <a:spcPct val="20000"/>
+              </a:spcBef>
+              <a:spcAft>
+                <a:spcPts val="600"/>
+              </a:spcAft>
+              <a:buClr>
+                <a:schemeClr val="tx1"/>
+              </a:buClr>
+              <a:buSzPct val="80000"/>
+              <a:buFont typeface="Wingdings 3" panose="05040102010807070707" pitchFamily="18" charset="2"/>
+              <a:buChar char=""/>
+              <a:defRPr sz="1800" kern="1200" cap="none">
+                <a:solidFill>
+                  <a:schemeClr val="tx1"/>
+                </a:solidFill>
+                <a:effectLst/>
+                <a:latin typeface="+mn-lt"/>
+                <a:ea typeface="+mn-ea"/>
+                <a:cs typeface="+mn-cs"/>
+              </a:defRPr>
+            </a:lvl2pPr>
+            <a:lvl3pPr marL="1200150" indent="-285750" algn="l" defTabSz="457200" rtl="0" eaLnBrk="1" latinLnBrk="0" hangingPunct="1">
+              <a:spcBef>
+                <a:spcPct val="20000"/>
+              </a:spcBef>
+              <a:spcAft>
+                <a:spcPts val="600"/>
+              </a:spcAft>
+              <a:buClr>
+                <a:schemeClr val="tx1"/>
+              </a:buClr>
+              <a:buSzPct val="80000"/>
+              <a:buFont typeface="Wingdings 3" panose="05040102010807070707" pitchFamily="18" charset="2"/>
+              <a:buChar char=""/>
+              <a:defRPr sz="1600" kern="1200" cap="none">
+                <a:solidFill>
+                  <a:schemeClr val="tx1"/>
+                </a:solidFill>
+                <a:effectLst/>
+                <a:latin typeface="+mn-lt"/>
+                <a:ea typeface="+mn-ea"/>
+                <a:cs typeface="+mn-cs"/>
+              </a:defRPr>
+            </a:lvl3pPr>
+            <a:lvl4pPr marL="1543050" indent="-171450" algn="l" defTabSz="457200" rtl="0" eaLnBrk="1" latinLnBrk="0" hangingPunct="1">
+              <a:spcBef>
+                <a:spcPct val="20000"/>
+              </a:spcBef>
+              <a:spcAft>
+                <a:spcPts val="600"/>
+              </a:spcAft>
+              <a:buClr>
+                <a:schemeClr val="tx1"/>
+              </a:buClr>
+              <a:buSzPct val="80000"/>
+              <a:buFont typeface="Wingdings 3" panose="05040102010807070707" pitchFamily="18" charset="2"/>
+              <a:buChar char=""/>
+              <a:defRPr sz="1400" kern="1200" cap="none">
+                <a:solidFill>
+                  <a:schemeClr val="tx1"/>
+                </a:solidFill>
+                <a:effectLst/>
+                <a:latin typeface="+mn-lt"/>
+                <a:ea typeface="+mn-ea"/>
+                <a:cs typeface="+mn-cs"/>
+              </a:defRPr>
+            </a:lvl4pPr>
+            <a:lvl5pPr marL="2000250" indent="-171450" algn="l" defTabSz="457200" rtl="0" eaLnBrk="1" latinLnBrk="0" hangingPunct="1">
+              <a:spcBef>
+                <a:spcPct val="20000"/>
+              </a:spcBef>
+              <a:spcAft>
+                <a:spcPts val="600"/>
+              </a:spcAft>
+              <a:buClr>
+                <a:schemeClr val="tx1"/>
+              </a:buClr>
+              <a:buSzPct val="80000"/>
+              <a:buFont typeface="Wingdings 3" panose="05040102010807070707" pitchFamily="18" charset="2"/>
+              <a:buChar char=""/>
+              <a:defRPr sz="1400" kern="1200" cap="none">
+                <a:solidFill>
+                  <a:schemeClr val="tx1"/>
+                </a:solidFill>
+                <a:effectLst/>
+                <a:latin typeface="+mn-lt"/>
+                <a:ea typeface="+mn-ea"/>
+                <a:cs typeface="+mn-cs"/>
+              </a:defRPr>
+            </a:lvl5pPr>
+            <a:lvl6pPr marL="2514600" indent="-228600" algn="l" defTabSz="457200" rtl="0" eaLnBrk="1" latinLnBrk="0" hangingPunct="1">
+              <a:spcBef>
+                <a:spcPct val="20000"/>
+              </a:spcBef>
+              <a:spcAft>
+                <a:spcPts val="600"/>
+              </a:spcAft>
+              <a:buClr>
+                <a:schemeClr val="tx1"/>
+              </a:buClr>
+              <a:buSzPct val="80000"/>
+              <a:buFont typeface="Wingdings 3" panose="05040102010807070707" pitchFamily="18" charset="2"/>
+              <a:buChar char=""/>
+              <a:defRPr sz="1400" kern="1200" cap="none">
+                <a:solidFill>
+                  <a:schemeClr val="bg2">
+                    <a:lumMod val="75000"/>
+                  </a:schemeClr>
+                </a:solidFill>
+                <a:effectLst/>
+                <a:latin typeface="+mn-lt"/>
+                <a:ea typeface="+mn-ea"/>
+                <a:cs typeface="+mn-cs"/>
+              </a:defRPr>
+            </a:lvl6pPr>
+            <a:lvl7pPr marL="2971800" indent="-228600" algn="l" defTabSz="457200" rtl="0" eaLnBrk="1" latinLnBrk="0" hangingPunct="1">
+              <a:spcBef>
+                <a:spcPct val="20000"/>
+              </a:spcBef>
+              <a:spcAft>
+                <a:spcPts val="600"/>
+              </a:spcAft>
+              <a:buClr>
+                <a:schemeClr val="tx1"/>
+              </a:buClr>
+              <a:buSzPct val="80000"/>
+              <a:buFont typeface="Wingdings 3" panose="05040102010807070707" pitchFamily="18" charset="2"/>
+              <a:buChar char=""/>
+              <a:defRPr sz="1400" kern="1200" cap="none">
+                <a:solidFill>
+                  <a:schemeClr val="bg2">
+                    <a:lumMod val="75000"/>
+                  </a:schemeClr>
+                </a:solidFill>
+                <a:effectLst/>
+                <a:latin typeface="+mn-lt"/>
+                <a:ea typeface="+mn-ea"/>
+                <a:cs typeface="+mn-cs"/>
+              </a:defRPr>
+            </a:lvl7pPr>
+            <a:lvl8pPr marL="3429000" indent="-228600" algn="l" defTabSz="457200" rtl="0" eaLnBrk="1" latinLnBrk="0" hangingPunct="1">
+              <a:spcBef>
+                <a:spcPct val="20000"/>
+              </a:spcBef>
+              <a:spcAft>
+                <a:spcPts val="600"/>
+              </a:spcAft>
+              <a:buClr>
+                <a:schemeClr val="tx1"/>
+              </a:buClr>
+              <a:buSzPct val="80000"/>
+              <a:buFont typeface="Wingdings 3" panose="05040102010807070707" pitchFamily="18" charset="2"/>
+              <a:buChar char=""/>
+              <a:defRPr sz="1400" kern="1200" cap="none">
+                <a:solidFill>
+                  <a:schemeClr val="bg2">
+                    <a:lumMod val="75000"/>
+                  </a:schemeClr>
+                </a:solidFill>
+                <a:effectLst/>
+                <a:latin typeface="+mn-lt"/>
+                <a:ea typeface="+mn-ea"/>
+                <a:cs typeface="+mn-cs"/>
+              </a:defRPr>
+            </a:lvl8pPr>
+            <a:lvl9pPr marL="3886200" indent="-228600" algn="l" defTabSz="457200" rtl="0" eaLnBrk="1" latinLnBrk="0" hangingPunct="1">
+              <a:spcBef>
+                <a:spcPct val="20000"/>
+              </a:spcBef>
+              <a:spcAft>
+                <a:spcPts val="600"/>
+              </a:spcAft>
+              <a:buClr>
+                <a:schemeClr val="tx1"/>
+              </a:buClr>
+              <a:buSzPct val="80000"/>
+              <a:buFont typeface="Wingdings 3" panose="05040102010807070707" pitchFamily="18" charset="2"/>
+              <a:buChar char=""/>
+              <a:defRPr sz="1400" kern="1200" cap="none">
+                <a:solidFill>
+                  <a:schemeClr val="bg2">
+                    <a:lumMod val="75000"/>
+                  </a:schemeClr>
+                </a:solidFill>
+                <a:effectLst/>
+                <a:latin typeface="+mn-lt"/>
+                <a:ea typeface="+mn-ea"/>
+                <a:cs typeface="+mn-cs"/>
+              </a:defRPr>
+            </a:lvl9pPr>
+          </a:lstStyle>
+          <a:p>
+            <a:r>
+              <a:rPr lang="en-US" dirty="0"/>
+              <a:t>Threads are a component of a process that Asynchronously execute commands/instructions.</a:t>
+            </a:r>
+          </a:p>
+          <a:p>
+            <a:r>
+              <a:rPr lang="en-US" dirty="0"/>
+              <a:t>They share resources and memory.</a:t>
+            </a:r>
+          </a:p>
+          <a:p>
+            <a:r>
+              <a:rPr lang="en-US" dirty="0"/>
+              <a:t>Typically used for performance. </a:t>
+            </a:r>
+          </a:p>
+          <a:p>
+            <a:pPr lvl="1"/>
+            <a:r>
+              <a:rPr lang="en-US" dirty="0"/>
+              <a:t>Break-up Large workloads into asynchronous tasks.</a:t>
+            </a:r>
+          </a:p>
+          <a:p>
+            <a:pPr lvl="1"/>
+            <a:r>
+              <a:rPr lang="en-US" dirty="0"/>
+              <a:t>Preventing GUIs from being unresponsive.</a:t>
+            </a:r>
+          </a:p>
+          <a:p>
+            <a:pPr lvl="1"/>
+            <a:r>
+              <a:rPr lang="en-US" dirty="0"/>
+              <a:t>Isolate actions and prevent variable collisions. </a:t>
+            </a:r>
+          </a:p>
+          <a:p>
+            <a:r>
+              <a:rPr lang="en-US" dirty="0"/>
+              <a:t>Can run under different credentials than the main process or other threads.</a:t>
+            </a:r>
+          </a:p>
+          <a:p>
+            <a:endParaRPr lang="en-US" dirty="0"/>
+          </a:p>
+          <a:p>
+            <a:endParaRPr lang="en-US" dirty="0"/>
+          </a:p>
+        </p:txBody>
+      </p:sp>
+    </p:spTree>
+    <p:extLst>
+      <p:ext uri="{BB962C8B-B14F-4D97-AF65-F5344CB8AC3E}">
+        <p14:creationId xmlns:p14="http://schemas.microsoft.com/office/powerpoint/2010/main" val="2029769849"/>
+      </p:ext>
+    </p:extLst>
+  </p:cSld>
+  <p:clrMapOvr>
+    <a:masterClrMapping/>
+  </p:clrMapOvr>
+</p:sld>
+</file>
+
+<file path=ppt/slides/slide40.xml><?xml version="1.0" encoding="utf-8"?>
+<p:sld xmlns:a="http://schemas.openxmlformats.org/drawingml/2006/main" xmlns:r="http://schemas.openxmlformats.org/officeDocument/2006/relationships" xmlns:p="http://schemas.openxmlformats.org/presentationml/2006/main" show="0">
+  <p:cSld>
+    <p:spTree>
+      <p:nvGrpSpPr>
+        <p:cNvPr id="1" name=""/>
+        <p:cNvGrpSpPr/>
+        <p:nvPr/>
+      </p:nvGrpSpPr>
+      <p:grpSpPr>
+        <a:xfrm>
+          <a:off x="0" y="0"/>
+          <a:ext cx="0" cy="0"/>
+          <a:chOff x="0" y="0"/>
+          <a:chExt cx="0" cy="0"/>
+        </a:xfrm>
+      </p:grpSpPr>
+      <p:pic>
+        <p:nvPicPr>
+          <p:cNvPr id="2" name="Picture 1"/>
+          <p:cNvPicPr>
+            <a:picLocks noChangeAspect="1"/>
+          </p:cNvPicPr>
+          <p:nvPr/>
+        </p:nvPicPr>
+        <p:blipFill>
+          <a:blip r:embed="rId2">
+            <a:lum bright="70000" contrast="-70000"/>
+            <a:extLst>
+              <a:ext uri="{28A0092B-C50C-407E-A947-70E740481C1C}">
+                <a14:useLocalDpi xmlns:a14="http://schemas.microsoft.com/office/drawing/2010/main" val="0"/>
+              </a:ext>
+            </a:extLst>
+          </a:blip>
+          <a:stretch>
+            <a:fillRect/>
+          </a:stretch>
+        </p:blipFill>
+        <p:spPr>
+          <a:xfrm>
+            <a:off x="4100286" y="3807714"/>
+            <a:ext cx="1219200" cy="1219200"/>
+          </a:xfrm>
+          <a:prstGeom prst="rect">
+            <a:avLst/>
+          </a:prstGeom>
+        </p:spPr>
+      </p:pic>
+      <p:pic>
+        <p:nvPicPr>
+          <p:cNvPr id="3" name="Picture 2"/>
+          <p:cNvPicPr>
+            <a:picLocks noChangeAspect="1"/>
+          </p:cNvPicPr>
+          <p:nvPr/>
+        </p:nvPicPr>
+        <p:blipFill>
+          <a:blip r:embed="rId3">
+            <a:lum bright="70000" contrast="-70000"/>
+            <a:extLst>
+              <a:ext uri="{28A0092B-C50C-407E-A947-70E740481C1C}">
+                <a14:useLocalDpi xmlns:a14="http://schemas.microsoft.com/office/drawing/2010/main" val="0"/>
+              </a:ext>
+            </a:extLst>
+          </a:blip>
+          <a:stretch>
+            <a:fillRect/>
+          </a:stretch>
+        </p:blipFill>
+        <p:spPr>
+          <a:xfrm>
+            <a:off x="2281228" y="3807714"/>
+            <a:ext cx="1219200" cy="1219200"/>
+          </a:xfrm>
+          <a:prstGeom prst="rect">
+            <a:avLst/>
+          </a:prstGeom>
+        </p:spPr>
+      </p:pic>
+      <p:pic>
+        <p:nvPicPr>
+          <p:cNvPr id="4" name="Picture 3"/>
+          <p:cNvPicPr>
+            <a:picLocks noChangeAspect="1"/>
+          </p:cNvPicPr>
+          <p:nvPr/>
+        </p:nvPicPr>
+        <p:blipFill>
+          <a:blip r:embed="rId4">
+            <a:lum bright="70000" contrast="-70000"/>
+            <a:extLst>
+              <a:ext uri="{28A0092B-C50C-407E-A947-70E740481C1C}">
+                <a14:useLocalDpi xmlns:a14="http://schemas.microsoft.com/office/drawing/2010/main" val="0"/>
+              </a:ext>
+            </a:extLst>
+          </a:blip>
+          <a:stretch>
+            <a:fillRect/>
+          </a:stretch>
+        </p:blipFill>
+        <p:spPr>
+          <a:xfrm>
+            <a:off x="2392514" y="2715457"/>
+            <a:ext cx="1219200" cy="1219200"/>
+          </a:xfrm>
+          <a:prstGeom prst="rect">
+            <a:avLst/>
+          </a:prstGeom>
+        </p:spPr>
+      </p:pic>
+      <p:pic>
+        <p:nvPicPr>
+          <p:cNvPr id="5" name="Picture 4"/>
+          <p:cNvPicPr>
+            <a:picLocks noChangeAspect="1"/>
+          </p:cNvPicPr>
+          <p:nvPr/>
+        </p:nvPicPr>
+        <p:blipFill>
+          <a:blip r:embed="rId5">
+            <a:lum bright="70000" contrast="-70000"/>
+            <a:extLst>
+              <a:ext uri="{28A0092B-C50C-407E-A947-70E740481C1C}">
+                <a14:useLocalDpi xmlns:a14="http://schemas.microsoft.com/office/drawing/2010/main" val="0"/>
+              </a:ext>
+            </a:extLst>
+          </a:blip>
+          <a:stretch>
+            <a:fillRect/>
+          </a:stretch>
+        </p:blipFill>
+        <p:spPr>
+          <a:xfrm>
+            <a:off x="2392514" y="1496257"/>
+            <a:ext cx="1219200" cy="1219200"/>
+          </a:xfrm>
+          <a:prstGeom prst="rect">
+            <a:avLst/>
+          </a:prstGeom>
+        </p:spPr>
+      </p:pic>
+      <p:pic>
+        <p:nvPicPr>
+          <p:cNvPr id="6" name="Picture 5"/>
+          <p:cNvPicPr>
+            <a:picLocks noChangeAspect="1"/>
+          </p:cNvPicPr>
+          <p:nvPr/>
+        </p:nvPicPr>
+        <p:blipFill>
+          <a:blip r:embed="rId6">
+            <a:lum bright="70000" contrast="-70000"/>
+            <a:extLst>
+              <a:ext uri="{28A0092B-C50C-407E-A947-70E740481C1C}">
+                <a14:useLocalDpi xmlns:a14="http://schemas.microsoft.com/office/drawing/2010/main" val="0"/>
+              </a:ext>
+            </a:extLst>
+          </a:blip>
+          <a:stretch>
+            <a:fillRect/>
+          </a:stretch>
+        </p:blipFill>
+        <p:spPr>
+          <a:xfrm>
+            <a:off x="2392514" y="277057"/>
+            <a:ext cx="1219200" cy="1219200"/>
+          </a:xfrm>
+          <a:prstGeom prst="rect">
+            <a:avLst/>
+          </a:prstGeom>
+        </p:spPr>
+      </p:pic>
+      <p:pic>
+        <p:nvPicPr>
+          <p:cNvPr id="7" name="Picture 6"/>
+          <p:cNvPicPr>
+            <a:picLocks noChangeAspect="1"/>
+          </p:cNvPicPr>
+          <p:nvPr/>
+        </p:nvPicPr>
+        <p:blipFill>
+          <a:blip r:embed="rId7">
+            <a:lum bright="70000" contrast="-70000"/>
+            <a:extLst>
+              <a:ext uri="{28A0092B-C50C-407E-A947-70E740481C1C}">
+                <a14:useLocalDpi xmlns:a14="http://schemas.microsoft.com/office/drawing/2010/main" val="0"/>
+              </a:ext>
+            </a:extLst>
+          </a:blip>
+          <a:stretch>
+            <a:fillRect/>
+          </a:stretch>
+        </p:blipFill>
+        <p:spPr>
+          <a:xfrm>
+            <a:off x="295257" y="3874257"/>
+            <a:ext cx="1219200" cy="1219200"/>
+          </a:xfrm>
+          <a:prstGeom prst="rect">
+            <a:avLst/>
+          </a:prstGeom>
+        </p:spPr>
+      </p:pic>
+      <p:pic>
+        <p:nvPicPr>
+          <p:cNvPr id="8" name="Picture 7"/>
+          <p:cNvPicPr>
+            <a:picLocks noChangeAspect="1"/>
+          </p:cNvPicPr>
+          <p:nvPr/>
+        </p:nvPicPr>
+        <p:blipFill>
+          <a:blip r:embed="rId8">
+            <a:lum bright="70000" contrast="-70000"/>
+            <a:extLst>
+              <a:ext uri="{28A0092B-C50C-407E-A947-70E740481C1C}">
+                <a14:useLocalDpi xmlns:a14="http://schemas.microsoft.com/office/drawing/2010/main" val="0"/>
+              </a:ext>
+            </a:extLst>
+          </a:blip>
+          <a:stretch>
+            <a:fillRect/>
+          </a:stretch>
+        </p:blipFill>
+        <p:spPr>
+          <a:xfrm>
+            <a:off x="295257" y="2601800"/>
+            <a:ext cx="1219200" cy="1219200"/>
+          </a:xfrm>
+          <a:prstGeom prst="rect">
+            <a:avLst/>
+          </a:prstGeom>
+        </p:spPr>
+      </p:pic>
+      <p:pic>
+        <p:nvPicPr>
+          <p:cNvPr id="9" name="Picture 8"/>
+          <p:cNvPicPr>
+            <a:picLocks noChangeAspect="1"/>
+          </p:cNvPicPr>
+          <p:nvPr/>
+        </p:nvPicPr>
+        <p:blipFill>
+          <a:blip r:embed="rId9">
+            <a:lum bright="70000" contrast="-70000"/>
+            <a:extLst>
+              <a:ext uri="{28A0092B-C50C-407E-A947-70E740481C1C}">
+                <a14:useLocalDpi xmlns:a14="http://schemas.microsoft.com/office/drawing/2010/main" val="0"/>
+              </a:ext>
+            </a:extLst>
+          </a:blip>
+          <a:stretch>
+            <a:fillRect/>
+          </a:stretch>
+        </p:blipFill>
+        <p:spPr>
+          <a:xfrm>
+            <a:off x="295257" y="1435857"/>
+            <a:ext cx="1219200" cy="1219200"/>
+          </a:xfrm>
+          <a:prstGeom prst="rect">
+            <a:avLst/>
+          </a:prstGeom>
+        </p:spPr>
+      </p:pic>
+      <p:pic>
+        <p:nvPicPr>
+          <p:cNvPr id="10" name="Picture 9"/>
+          <p:cNvPicPr>
+            <a:picLocks noChangeAspect="1"/>
+          </p:cNvPicPr>
+          <p:nvPr/>
+        </p:nvPicPr>
+        <p:blipFill>
+          <a:blip r:embed="rId10">
+            <a:lum bright="70000" contrast="-70000"/>
+            <a:extLst>
+              <a:ext uri="{28A0092B-C50C-407E-A947-70E740481C1C}">
+                <a14:useLocalDpi xmlns:a14="http://schemas.microsoft.com/office/drawing/2010/main" val="0"/>
+              </a:ext>
+            </a:extLst>
+          </a:blip>
+          <a:stretch>
+            <a:fillRect/>
+          </a:stretch>
+        </p:blipFill>
+        <p:spPr>
+          <a:xfrm>
+            <a:off x="198514" y="216657"/>
+            <a:ext cx="1219200" cy="1219200"/>
+          </a:xfrm>
+          <a:prstGeom prst="rect">
+            <a:avLst/>
+          </a:prstGeom>
+        </p:spPr>
+      </p:pic>
+      <p:pic>
+        <p:nvPicPr>
+          <p:cNvPr id="11" name="Picture 10"/>
+          <p:cNvPicPr>
+            <a:picLocks noChangeAspect="1"/>
+          </p:cNvPicPr>
+          <p:nvPr/>
+        </p:nvPicPr>
+        <p:blipFill>
+          <a:blip r:embed="rId11">
+            <a:duotone>
+              <a:schemeClr val="accent1">
+                <a:shade val="45000"/>
+                <a:satMod val="135000"/>
+              </a:schemeClr>
+              <a:prstClr val="white"/>
+            </a:duotone>
+            <a:extLst>
+              <a:ext uri="{28A0092B-C50C-407E-A947-70E740481C1C}">
+                <a14:useLocalDpi xmlns:a14="http://schemas.microsoft.com/office/drawing/2010/main" val="0"/>
+              </a:ext>
+            </a:extLst>
+          </a:blip>
+          <a:stretch>
+            <a:fillRect/>
+          </a:stretch>
+        </p:blipFill>
+        <p:spPr>
+          <a:xfrm>
+            <a:off x="9520058" y="331344"/>
+            <a:ext cx="512108" cy="774259"/>
+          </a:xfrm>
+          <a:prstGeom prst="rect">
+            <a:avLst/>
+          </a:prstGeom>
+        </p:spPr>
+      </p:pic>
+      <p:pic>
+        <p:nvPicPr>
+          <p:cNvPr id="12" name="Picture 11"/>
+          <p:cNvPicPr>
+            <a:picLocks noChangeAspect="1"/>
+          </p:cNvPicPr>
+          <p:nvPr/>
+        </p:nvPicPr>
+        <p:blipFill>
+          <a:blip r:embed="rId12">
+            <a:duotone>
+              <a:schemeClr val="accent1">
+                <a:shade val="45000"/>
+                <a:satMod val="135000"/>
+              </a:schemeClr>
+              <a:prstClr val="white"/>
+            </a:duotone>
+            <a:extLst>
+              <a:ext uri="{28A0092B-C50C-407E-A947-70E740481C1C}">
+                <a14:useLocalDpi xmlns:a14="http://schemas.microsoft.com/office/drawing/2010/main" val="0"/>
+              </a:ext>
+            </a:extLst>
+          </a:blip>
+          <a:stretch>
+            <a:fillRect/>
+          </a:stretch>
+        </p:blipFill>
+        <p:spPr>
+          <a:xfrm>
+            <a:off x="8598753" y="336487"/>
+            <a:ext cx="542591" cy="804742"/>
+          </a:xfrm>
+          <a:prstGeom prst="rect">
+            <a:avLst/>
+          </a:prstGeom>
+        </p:spPr>
+      </p:pic>
+      <p:pic>
+        <p:nvPicPr>
+          <p:cNvPr id="13" name="Picture 12"/>
+          <p:cNvPicPr>
+            <a:picLocks noChangeAspect="1"/>
+          </p:cNvPicPr>
+          <p:nvPr/>
+        </p:nvPicPr>
+        <p:blipFill>
+          <a:blip r:embed="rId13">
+            <a:duotone>
+              <a:schemeClr val="accent1">
+                <a:shade val="45000"/>
+                <a:satMod val="135000"/>
+              </a:schemeClr>
+              <a:prstClr val="white"/>
+            </a:duotone>
+            <a:extLst>
+              <a:ext uri="{28A0092B-C50C-407E-A947-70E740481C1C}">
+                <a14:useLocalDpi xmlns:a14="http://schemas.microsoft.com/office/drawing/2010/main" val="0"/>
+              </a:ext>
+            </a:extLst>
+          </a:blip>
+          <a:stretch>
+            <a:fillRect/>
+          </a:stretch>
+        </p:blipFill>
+        <p:spPr>
+          <a:xfrm>
+            <a:off x="7457454" y="339349"/>
+            <a:ext cx="859611" cy="731583"/>
+          </a:xfrm>
+          <a:prstGeom prst="rect">
+            <a:avLst/>
+          </a:prstGeom>
+        </p:spPr>
+      </p:pic>
+      <p:pic>
+        <p:nvPicPr>
+          <p:cNvPr id="14" name="Picture 13"/>
+          <p:cNvPicPr>
+            <a:picLocks noChangeAspect="1"/>
+          </p:cNvPicPr>
+          <p:nvPr/>
+        </p:nvPicPr>
+        <p:blipFill>
+          <a:blip r:embed="rId14">
+            <a:duotone>
+              <a:schemeClr val="accent1">
+                <a:shade val="45000"/>
+                <a:satMod val="135000"/>
+              </a:schemeClr>
+              <a:prstClr val="white"/>
+            </a:duotone>
+            <a:extLst>
+              <a:ext uri="{28A0092B-C50C-407E-A947-70E740481C1C}">
+                <a14:useLocalDpi xmlns:a14="http://schemas.microsoft.com/office/drawing/2010/main" val="0"/>
+              </a:ext>
+            </a:extLst>
+          </a:blip>
+          <a:stretch>
+            <a:fillRect/>
+          </a:stretch>
+        </p:blipFill>
+        <p:spPr>
+          <a:xfrm>
+            <a:off x="4373809" y="277057"/>
+            <a:ext cx="1194920" cy="792549"/>
+          </a:xfrm>
+          <a:prstGeom prst="rect">
+            <a:avLst/>
+          </a:prstGeom>
+        </p:spPr>
+      </p:pic>
+      <p:pic>
+        <p:nvPicPr>
+          <p:cNvPr id="15" name="Picture 14"/>
+          <p:cNvPicPr>
+            <a:picLocks noChangeAspect="1"/>
+          </p:cNvPicPr>
+          <p:nvPr/>
+        </p:nvPicPr>
+        <p:blipFill>
+          <a:blip r:embed="rId15">
+            <a:duotone>
+              <a:schemeClr val="accent1">
+                <a:shade val="45000"/>
+                <a:satMod val="135000"/>
+              </a:schemeClr>
+              <a:prstClr val="white"/>
+            </a:duotone>
+            <a:extLst>
+              <a:ext uri="{28A0092B-C50C-407E-A947-70E740481C1C}">
+                <a14:useLocalDpi xmlns:a14="http://schemas.microsoft.com/office/drawing/2010/main" val="0"/>
+              </a:ext>
+            </a:extLst>
+          </a:blip>
+          <a:stretch>
+            <a:fillRect/>
+          </a:stretch>
+        </p:blipFill>
+        <p:spPr>
+          <a:xfrm>
+            <a:off x="6087455" y="273695"/>
+            <a:ext cx="938865" cy="938865"/>
+          </a:xfrm>
+          <a:prstGeom prst="rect">
+            <a:avLst/>
+          </a:prstGeom>
+        </p:spPr>
+      </p:pic>
+      <p:pic>
+        <p:nvPicPr>
+          <p:cNvPr id="16" name="Picture 15"/>
+          <p:cNvPicPr>
+            <a:picLocks noChangeAspect="1"/>
+          </p:cNvPicPr>
+          <p:nvPr/>
+        </p:nvPicPr>
+        <p:blipFill>
+          <a:blip r:embed="rId16">
+            <a:duotone>
+              <a:schemeClr val="accent1">
+                <a:shade val="45000"/>
+                <a:satMod val="135000"/>
+              </a:schemeClr>
+              <a:prstClr val="white"/>
+            </a:duotone>
+            <a:extLst>
+              <a:ext uri="{28A0092B-C50C-407E-A947-70E740481C1C}">
+                <a14:useLocalDpi xmlns:a14="http://schemas.microsoft.com/office/drawing/2010/main" val="0"/>
+              </a:ext>
+            </a:extLst>
+          </a:blip>
+          <a:stretch>
+            <a:fillRect/>
+          </a:stretch>
+        </p:blipFill>
+        <p:spPr>
+          <a:xfrm>
+            <a:off x="10509543" y="342916"/>
+            <a:ext cx="408467" cy="755970"/>
+          </a:xfrm>
+          <a:prstGeom prst="rect">
+            <a:avLst/>
+          </a:prstGeom>
+        </p:spPr>
+      </p:pic>
+    </p:spTree>
+    <p:extLst>
+      <p:ext uri="{BB962C8B-B14F-4D97-AF65-F5344CB8AC3E}">
+        <p14:creationId xmlns:p14="http://schemas.microsoft.com/office/powerpoint/2010/main" val="3152775509"/>
+      </p:ext>
+    </p:extLst>
+  </p:cSld>
+  <p:clrMapOvr>
+    <a:masterClrMapping/>
+  </p:clrMapOvr>
+</p:sld>
+</file>
+
+<file path=ppt/slides/slide5.xml><?xml version="1.0" encoding="utf-8"?>
 <p:sld xmlns:a="http://schemas.openxmlformats.org/drawingml/2006/main" xmlns:r="http://schemas.openxmlformats.org/officeDocument/2006/relationships" xmlns:p="http://schemas.openxmlformats.org/presentationml/2006/main">
   <p:cSld>
     <p:spTree>
@@ -16663,890 +17140,6 @@
 </p:sld>
 </file>
 
-<file path=ppt/slides/slide40.xml><?xml version="1.0" encoding="utf-8"?>
-<p:sld xmlns:a="http://schemas.openxmlformats.org/drawingml/2006/main" xmlns:r="http://schemas.openxmlformats.org/officeDocument/2006/relationships" xmlns:p="http://schemas.openxmlformats.org/presentationml/2006/main" show="0">
-  <p:cSld>
-    <p:spTree>
-      <p:nvGrpSpPr>
-        <p:cNvPr id="1" name=""/>
-        <p:cNvGrpSpPr/>
-        <p:nvPr/>
-      </p:nvGrpSpPr>
-      <p:grpSpPr>
-        <a:xfrm>
-          <a:off x="0" y="0"/>
-          <a:ext cx="0" cy="0"/>
-          <a:chOff x="0" y="0"/>
-          <a:chExt cx="0" cy="0"/>
-        </a:xfrm>
-      </p:grpSpPr>
-      <p:pic>
-        <p:nvPicPr>
-          <p:cNvPr id="2" name="Picture 1"/>
-          <p:cNvPicPr>
-            <a:picLocks noChangeAspect="1"/>
-          </p:cNvPicPr>
-          <p:nvPr/>
-        </p:nvPicPr>
-        <p:blipFill>
-          <a:blip r:embed="rId2">
-            <a:lum bright="70000" contrast="-70000"/>
-            <a:extLst>
-              <a:ext uri="{28A0092B-C50C-407E-A947-70E740481C1C}">
-                <a14:useLocalDpi xmlns:a14="http://schemas.microsoft.com/office/drawing/2010/main" val="0"/>
-              </a:ext>
-            </a:extLst>
-          </a:blip>
-          <a:stretch>
-            <a:fillRect/>
-          </a:stretch>
-        </p:blipFill>
-        <p:spPr>
-          <a:xfrm>
-            <a:off x="4100286" y="3807714"/>
-            <a:ext cx="1219200" cy="1219200"/>
-          </a:xfrm>
-          <a:prstGeom prst="rect">
-            <a:avLst/>
-          </a:prstGeom>
-        </p:spPr>
-      </p:pic>
-      <p:pic>
-        <p:nvPicPr>
-          <p:cNvPr id="3" name="Picture 2"/>
-          <p:cNvPicPr>
-            <a:picLocks noChangeAspect="1"/>
-          </p:cNvPicPr>
-          <p:nvPr/>
-        </p:nvPicPr>
-        <p:blipFill>
-          <a:blip r:embed="rId3">
-            <a:lum bright="70000" contrast="-70000"/>
-            <a:extLst>
-              <a:ext uri="{28A0092B-C50C-407E-A947-70E740481C1C}">
-                <a14:useLocalDpi xmlns:a14="http://schemas.microsoft.com/office/drawing/2010/main" val="0"/>
-              </a:ext>
-            </a:extLst>
-          </a:blip>
-          <a:stretch>
-            <a:fillRect/>
-          </a:stretch>
-        </p:blipFill>
-        <p:spPr>
-          <a:xfrm>
-            <a:off x="2281228" y="3807714"/>
-            <a:ext cx="1219200" cy="1219200"/>
-          </a:xfrm>
-          <a:prstGeom prst="rect">
-            <a:avLst/>
-          </a:prstGeom>
-        </p:spPr>
-      </p:pic>
-      <p:pic>
-        <p:nvPicPr>
-          <p:cNvPr id="4" name="Picture 3"/>
-          <p:cNvPicPr>
-            <a:picLocks noChangeAspect="1"/>
-          </p:cNvPicPr>
-          <p:nvPr/>
-        </p:nvPicPr>
-        <p:blipFill>
-          <a:blip r:embed="rId4">
-            <a:lum bright="70000" contrast="-70000"/>
-            <a:extLst>
-              <a:ext uri="{28A0092B-C50C-407E-A947-70E740481C1C}">
-                <a14:useLocalDpi xmlns:a14="http://schemas.microsoft.com/office/drawing/2010/main" val="0"/>
-              </a:ext>
-            </a:extLst>
-          </a:blip>
-          <a:stretch>
-            <a:fillRect/>
-          </a:stretch>
-        </p:blipFill>
-        <p:spPr>
-          <a:xfrm>
-            <a:off x="2392514" y="2715457"/>
-            <a:ext cx="1219200" cy="1219200"/>
-          </a:xfrm>
-          <a:prstGeom prst="rect">
-            <a:avLst/>
-          </a:prstGeom>
-        </p:spPr>
-      </p:pic>
-      <p:pic>
-        <p:nvPicPr>
-          <p:cNvPr id="5" name="Picture 4"/>
-          <p:cNvPicPr>
-            <a:picLocks noChangeAspect="1"/>
-          </p:cNvPicPr>
-          <p:nvPr/>
-        </p:nvPicPr>
-        <p:blipFill>
-          <a:blip r:embed="rId5">
-            <a:lum bright="70000" contrast="-70000"/>
-            <a:extLst>
-              <a:ext uri="{28A0092B-C50C-407E-A947-70E740481C1C}">
-                <a14:useLocalDpi xmlns:a14="http://schemas.microsoft.com/office/drawing/2010/main" val="0"/>
-              </a:ext>
-            </a:extLst>
-          </a:blip>
-          <a:stretch>
-            <a:fillRect/>
-          </a:stretch>
-        </p:blipFill>
-        <p:spPr>
-          <a:xfrm>
-            <a:off x="2392514" y="1496257"/>
-            <a:ext cx="1219200" cy="1219200"/>
-          </a:xfrm>
-          <a:prstGeom prst="rect">
-            <a:avLst/>
-          </a:prstGeom>
-        </p:spPr>
-      </p:pic>
-      <p:pic>
-        <p:nvPicPr>
-          <p:cNvPr id="6" name="Picture 5"/>
-          <p:cNvPicPr>
-            <a:picLocks noChangeAspect="1"/>
-          </p:cNvPicPr>
-          <p:nvPr/>
-        </p:nvPicPr>
-        <p:blipFill>
-          <a:blip r:embed="rId6">
-            <a:lum bright="70000" contrast="-70000"/>
-            <a:extLst>
-              <a:ext uri="{28A0092B-C50C-407E-A947-70E740481C1C}">
-                <a14:useLocalDpi xmlns:a14="http://schemas.microsoft.com/office/drawing/2010/main" val="0"/>
-              </a:ext>
-            </a:extLst>
-          </a:blip>
-          <a:stretch>
-            <a:fillRect/>
-          </a:stretch>
-        </p:blipFill>
-        <p:spPr>
-          <a:xfrm>
-            <a:off x="2392514" y="277057"/>
-            <a:ext cx="1219200" cy="1219200"/>
-          </a:xfrm>
-          <a:prstGeom prst="rect">
-            <a:avLst/>
-          </a:prstGeom>
-        </p:spPr>
-      </p:pic>
-      <p:pic>
-        <p:nvPicPr>
-          <p:cNvPr id="7" name="Picture 6"/>
-          <p:cNvPicPr>
-            <a:picLocks noChangeAspect="1"/>
-          </p:cNvPicPr>
-          <p:nvPr/>
-        </p:nvPicPr>
-        <p:blipFill>
-          <a:blip r:embed="rId7">
-            <a:lum bright="70000" contrast="-70000"/>
-            <a:extLst>
-              <a:ext uri="{28A0092B-C50C-407E-A947-70E740481C1C}">
-                <a14:useLocalDpi xmlns:a14="http://schemas.microsoft.com/office/drawing/2010/main" val="0"/>
-              </a:ext>
-            </a:extLst>
-          </a:blip>
-          <a:stretch>
-            <a:fillRect/>
-          </a:stretch>
-        </p:blipFill>
-        <p:spPr>
-          <a:xfrm>
-            <a:off x="295257" y="3874257"/>
-            <a:ext cx="1219200" cy="1219200"/>
-          </a:xfrm>
-          <a:prstGeom prst="rect">
-            <a:avLst/>
-          </a:prstGeom>
-        </p:spPr>
-      </p:pic>
-      <p:pic>
-        <p:nvPicPr>
-          <p:cNvPr id="8" name="Picture 7"/>
-          <p:cNvPicPr>
-            <a:picLocks noChangeAspect="1"/>
-          </p:cNvPicPr>
-          <p:nvPr/>
-        </p:nvPicPr>
-        <p:blipFill>
-          <a:blip r:embed="rId8">
-            <a:lum bright="70000" contrast="-70000"/>
-            <a:extLst>
-              <a:ext uri="{28A0092B-C50C-407E-A947-70E740481C1C}">
-                <a14:useLocalDpi xmlns:a14="http://schemas.microsoft.com/office/drawing/2010/main" val="0"/>
-              </a:ext>
-            </a:extLst>
-          </a:blip>
-          <a:stretch>
-            <a:fillRect/>
-          </a:stretch>
-        </p:blipFill>
-        <p:spPr>
-          <a:xfrm>
-            <a:off x="295257" y="2601800"/>
-            <a:ext cx="1219200" cy="1219200"/>
-          </a:xfrm>
-          <a:prstGeom prst="rect">
-            <a:avLst/>
-          </a:prstGeom>
-        </p:spPr>
-      </p:pic>
-      <p:pic>
-        <p:nvPicPr>
-          <p:cNvPr id="9" name="Picture 8"/>
-          <p:cNvPicPr>
-            <a:picLocks noChangeAspect="1"/>
-          </p:cNvPicPr>
-          <p:nvPr/>
-        </p:nvPicPr>
-        <p:blipFill>
-          <a:blip r:embed="rId9">
-            <a:lum bright="70000" contrast="-70000"/>
-            <a:extLst>
-              <a:ext uri="{28A0092B-C50C-407E-A947-70E740481C1C}">
-                <a14:useLocalDpi xmlns:a14="http://schemas.microsoft.com/office/drawing/2010/main" val="0"/>
-              </a:ext>
-            </a:extLst>
-          </a:blip>
-          <a:stretch>
-            <a:fillRect/>
-          </a:stretch>
-        </p:blipFill>
-        <p:spPr>
-          <a:xfrm>
-            <a:off x="295257" y="1435857"/>
-            <a:ext cx="1219200" cy="1219200"/>
-          </a:xfrm>
-          <a:prstGeom prst="rect">
-            <a:avLst/>
-          </a:prstGeom>
-        </p:spPr>
-      </p:pic>
-      <p:pic>
-        <p:nvPicPr>
-          <p:cNvPr id="10" name="Picture 9"/>
-          <p:cNvPicPr>
-            <a:picLocks noChangeAspect="1"/>
-          </p:cNvPicPr>
-          <p:nvPr/>
-        </p:nvPicPr>
-        <p:blipFill>
-          <a:blip r:embed="rId10">
-            <a:lum bright="70000" contrast="-70000"/>
-            <a:extLst>
-              <a:ext uri="{28A0092B-C50C-407E-A947-70E740481C1C}">
-                <a14:useLocalDpi xmlns:a14="http://schemas.microsoft.com/office/drawing/2010/main" val="0"/>
-              </a:ext>
-            </a:extLst>
-          </a:blip>
-          <a:stretch>
-            <a:fillRect/>
-          </a:stretch>
-        </p:blipFill>
-        <p:spPr>
-          <a:xfrm>
-            <a:off x="198514" y="216657"/>
-            <a:ext cx="1219200" cy="1219200"/>
-          </a:xfrm>
-          <a:prstGeom prst="rect">
-            <a:avLst/>
-          </a:prstGeom>
-        </p:spPr>
-      </p:pic>
-      <p:pic>
-        <p:nvPicPr>
-          <p:cNvPr id="11" name="Picture 10"/>
-          <p:cNvPicPr>
-            <a:picLocks noChangeAspect="1"/>
-          </p:cNvPicPr>
-          <p:nvPr/>
-        </p:nvPicPr>
-        <p:blipFill>
-          <a:blip r:embed="rId11">
-            <a:duotone>
-              <a:schemeClr val="accent1">
-                <a:shade val="45000"/>
-                <a:satMod val="135000"/>
-              </a:schemeClr>
-              <a:prstClr val="white"/>
-            </a:duotone>
-            <a:extLst>
-              <a:ext uri="{28A0092B-C50C-407E-A947-70E740481C1C}">
-                <a14:useLocalDpi xmlns:a14="http://schemas.microsoft.com/office/drawing/2010/main" val="0"/>
-              </a:ext>
-            </a:extLst>
-          </a:blip>
-          <a:stretch>
-            <a:fillRect/>
-          </a:stretch>
-        </p:blipFill>
-        <p:spPr>
-          <a:xfrm>
-            <a:off x="9520058" y="331344"/>
-            <a:ext cx="512108" cy="774259"/>
-          </a:xfrm>
-          <a:prstGeom prst="rect">
-            <a:avLst/>
-          </a:prstGeom>
-        </p:spPr>
-      </p:pic>
-      <p:pic>
-        <p:nvPicPr>
-          <p:cNvPr id="12" name="Picture 11"/>
-          <p:cNvPicPr>
-            <a:picLocks noChangeAspect="1"/>
-          </p:cNvPicPr>
-          <p:nvPr/>
-        </p:nvPicPr>
-        <p:blipFill>
-          <a:blip r:embed="rId12">
-            <a:duotone>
-              <a:schemeClr val="accent1">
-                <a:shade val="45000"/>
-                <a:satMod val="135000"/>
-              </a:schemeClr>
-              <a:prstClr val="white"/>
-            </a:duotone>
-            <a:extLst>
-              <a:ext uri="{28A0092B-C50C-407E-A947-70E740481C1C}">
-                <a14:useLocalDpi xmlns:a14="http://schemas.microsoft.com/office/drawing/2010/main" val="0"/>
-              </a:ext>
-            </a:extLst>
-          </a:blip>
-          <a:stretch>
-            <a:fillRect/>
-          </a:stretch>
-        </p:blipFill>
-        <p:spPr>
-          <a:xfrm>
-            <a:off x="8598753" y="336487"/>
-            <a:ext cx="542591" cy="804742"/>
-          </a:xfrm>
-          <a:prstGeom prst="rect">
-            <a:avLst/>
-          </a:prstGeom>
-        </p:spPr>
-      </p:pic>
-      <p:pic>
-        <p:nvPicPr>
-          <p:cNvPr id="13" name="Picture 12"/>
-          <p:cNvPicPr>
-            <a:picLocks noChangeAspect="1"/>
-          </p:cNvPicPr>
-          <p:nvPr/>
-        </p:nvPicPr>
-        <p:blipFill>
-          <a:blip r:embed="rId13">
-            <a:duotone>
-              <a:schemeClr val="accent1">
-                <a:shade val="45000"/>
-                <a:satMod val="135000"/>
-              </a:schemeClr>
-              <a:prstClr val="white"/>
-            </a:duotone>
-            <a:extLst>
-              <a:ext uri="{28A0092B-C50C-407E-A947-70E740481C1C}">
-                <a14:useLocalDpi xmlns:a14="http://schemas.microsoft.com/office/drawing/2010/main" val="0"/>
-              </a:ext>
-            </a:extLst>
-          </a:blip>
-          <a:stretch>
-            <a:fillRect/>
-          </a:stretch>
-        </p:blipFill>
-        <p:spPr>
-          <a:xfrm>
-            <a:off x="7457454" y="339349"/>
-            <a:ext cx="859611" cy="731583"/>
-          </a:xfrm>
-          <a:prstGeom prst="rect">
-            <a:avLst/>
-          </a:prstGeom>
-        </p:spPr>
-      </p:pic>
-      <p:pic>
-        <p:nvPicPr>
-          <p:cNvPr id="14" name="Picture 13"/>
-          <p:cNvPicPr>
-            <a:picLocks noChangeAspect="1"/>
-          </p:cNvPicPr>
-          <p:nvPr/>
-        </p:nvPicPr>
-        <p:blipFill>
-          <a:blip r:embed="rId14">
-            <a:duotone>
-              <a:schemeClr val="accent1">
-                <a:shade val="45000"/>
-                <a:satMod val="135000"/>
-              </a:schemeClr>
-              <a:prstClr val="white"/>
-            </a:duotone>
-            <a:extLst>
-              <a:ext uri="{28A0092B-C50C-407E-A947-70E740481C1C}">
-                <a14:useLocalDpi xmlns:a14="http://schemas.microsoft.com/office/drawing/2010/main" val="0"/>
-              </a:ext>
-            </a:extLst>
-          </a:blip>
-          <a:stretch>
-            <a:fillRect/>
-          </a:stretch>
-        </p:blipFill>
-        <p:spPr>
-          <a:xfrm>
-            <a:off x="4373809" y="277057"/>
-            <a:ext cx="1194920" cy="792549"/>
-          </a:xfrm>
-          <a:prstGeom prst="rect">
-            <a:avLst/>
-          </a:prstGeom>
-        </p:spPr>
-      </p:pic>
-      <p:pic>
-        <p:nvPicPr>
-          <p:cNvPr id="15" name="Picture 14"/>
-          <p:cNvPicPr>
-            <a:picLocks noChangeAspect="1"/>
-          </p:cNvPicPr>
-          <p:nvPr/>
-        </p:nvPicPr>
-        <p:blipFill>
-          <a:blip r:embed="rId15">
-            <a:duotone>
-              <a:schemeClr val="accent1">
-                <a:shade val="45000"/>
-                <a:satMod val="135000"/>
-              </a:schemeClr>
-              <a:prstClr val="white"/>
-            </a:duotone>
-            <a:extLst>
-              <a:ext uri="{28A0092B-C50C-407E-A947-70E740481C1C}">
-                <a14:useLocalDpi xmlns:a14="http://schemas.microsoft.com/office/drawing/2010/main" val="0"/>
-              </a:ext>
-            </a:extLst>
-          </a:blip>
-          <a:stretch>
-            <a:fillRect/>
-          </a:stretch>
-        </p:blipFill>
-        <p:spPr>
-          <a:xfrm>
-            <a:off x="6087455" y="273695"/>
-            <a:ext cx="938865" cy="938865"/>
-          </a:xfrm>
-          <a:prstGeom prst="rect">
-            <a:avLst/>
-          </a:prstGeom>
-        </p:spPr>
-      </p:pic>
-      <p:pic>
-        <p:nvPicPr>
-          <p:cNvPr id="16" name="Picture 15"/>
-          <p:cNvPicPr>
-            <a:picLocks noChangeAspect="1"/>
-          </p:cNvPicPr>
-          <p:nvPr/>
-        </p:nvPicPr>
-        <p:blipFill>
-          <a:blip r:embed="rId16">
-            <a:duotone>
-              <a:schemeClr val="accent1">
-                <a:shade val="45000"/>
-                <a:satMod val="135000"/>
-              </a:schemeClr>
-              <a:prstClr val="white"/>
-            </a:duotone>
-            <a:extLst>
-              <a:ext uri="{28A0092B-C50C-407E-A947-70E740481C1C}">
-                <a14:useLocalDpi xmlns:a14="http://schemas.microsoft.com/office/drawing/2010/main" val="0"/>
-              </a:ext>
-            </a:extLst>
-          </a:blip>
-          <a:stretch>
-            <a:fillRect/>
-          </a:stretch>
-        </p:blipFill>
-        <p:spPr>
-          <a:xfrm>
-            <a:off x="10509543" y="342916"/>
-            <a:ext cx="408467" cy="755970"/>
-          </a:xfrm>
-          <a:prstGeom prst="rect">
-            <a:avLst/>
-          </a:prstGeom>
-        </p:spPr>
-      </p:pic>
-    </p:spTree>
-    <p:extLst>
-      <p:ext uri="{BB962C8B-B14F-4D97-AF65-F5344CB8AC3E}">
-        <p14:creationId xmlns:p14="http://schemas.microsoft.com/office/powerpoint/2010/main" val="3152775509"/>
-      </p:ext>
-    </p:extLst>
-  </p:cSld>
-  <p:clrMapOvr>
-    <a:masterClrMapping/>
-  </p:clrMapOvr>
-</p:sld>
-</file>
-
-<file path=ppt/slides/slide5.xml><?xml version="1.0" encoding="utf-8"?>
-<p:sld xmlns:a="http://schemas.openxmlformats.org/drawingml/2006/main" xmlns:r="http://schemas.openxmlformats.org/officeDocument/2006/relationships" xmlns:p="http://schemas.openxmlformats.org/presentationml/2006/main">
-  <p:cSld>
-    <p:spTree>
-      <p:nvGrpSpPr>
-        <p:cNvPr id="1" name=""/>
-        <p:cNvGrpSpPr/>
-        <p:nvPr/>
-      </p:nvGrpSpPr>
-      <p:grpSpPr>
-        <a:xfrm>
-          <a:off x="0" y="0"/>
-          <a:ext cx="0" cy="0"/>
-          <a:chOff x="0" y="0"/>
-          <a:chExt cx="0" cy="0"/>
-        </a:xfrm>
-      </p:grpSpPr>
-      <p:sp>
-        <p:nvSpPr>
-          <p:cNvPr id="2" name="Title 1">
-            <a:extLst>
-              <a:ext uri="{FF2B5EF4-FFF2-40B4-BE49-F238E27FC236}">
-                <a16:creationId xmlns:a16="http://schemas.microsoft.com/office/drawing/2014/main" id="{38496E2A-78C1-4385-9EB9-E1D286757780}"/>
-              </a:ext>
-            </a:extLst>
-          </p:cNvPr>
-          <p:cNvSpPr>
-            <a:spLocks noGrp="1"/>
-          </p:cNvSpPr>
-          <p:nvPr>
-            <p:ph type="title"/>
-          </p:nvPr>
-        </p:nvSpPr>
-        <p:spPr/>
-        <p:txBody>
-          <a:bodyPr/>
-          <a:lstStyle/>
-          <a:p>
-            <a:r>
-              <a:rPr lang="en-US" dirty="0"/>
-              <a:t>What is Threading?</a:t>
-            </a:r>
-          </a:p>
-        </p:txBody>
-      </p:sp>
-      <p:sp>
-        <p:nvSpPr>
-          <p:cNvPr id="4" name="Content Placeholder 2">
-            <a:extLst>
-              <a:ext uri="{FF2B5EF4-FFF2-40B4-BE49-F238E27FC236}">
-                <a16:creationId xmlns:a16="http://schemas.microsoft.com/office/drawing/2014/main" id="{BAD88C20-43F1-47F2-8647-94F1B84C1480}"/>
-              </a:ext>
-            </a:extLst>
-          </p:cNvPr>
-          <p:cNvSpPr txBox="1">
-            <a:spLocks/>
-          </p:cNvSpPr>
-          <p:nvPr/>
-        </p:nvSpPr>
-        <p:spPr>
-          <a:xfrm>
-            <a:off x="609600" y="1257300"/>
-            <a:ext cx="10972800" cy="4800600"/>
-          </a:xfrm>
-          <a:prstGeom prst="rect">
-            <a:avLst/>
-          </a:prstGeom>
-        </p:spPr>
-        <p:txBody>
-          <a:bodyPr/>
-          <a:lstStyle>
-            <a:lvl1pPr marL="285750" indent="-285750" algn="l" defTabSz="457200" rtl="0" eaLnBrk="1" latinLnBrk="0" hangingPunct="1">
-              <a:spcBef>
-                <a:spcPct val="20000"/>
-              </a:spcBef>
-              <a:spcAft>
-                <a:spcPts val="600"/>
-              </a:spcAft>
-              <a:buClr>
-                <a:schemeClr val="tx1"/>
-              </a:buClr>
-              <a:buSzPct val="80000"/>
-              <a:buFont typeface="Wingdings 3" panose="05040102010807070707" pitchFamily="18" charset="2"/>
-              <a:buChar char=""/>
-              <a:defRPr sz="2000" kern="1200" cap="none">
-                <a:solidFill>
-                  <a:schemeClr val="tx1"/>
-                </a:solidFill>
-                <a:effectLst/>
-                <a:latin typeface="+mn-lt"/>
-                <a:ea typeface="+mn-ea"/>
-                <a:cs typeface="+mn-cs"/>
-              </a:defRPr>
-            </a:lvl1pPr>
-            <a:lvl2pPr marL="742950" indent="-285750" algn="l" defTabSz="457200" rtl="0" eaLnBrk="1" latinLnBrk="0" hangingPunct="1">
-              <a:spcBef>
-                <a:spcPct val="20000"/>
-              </a:spcBef>
-              <a:spcAft>
-                <a:spcPts val="600"/>
-              </a:spcAft>
-              <a:buClr>
-                <a:schemeClr val="tx1"/>
-              </a:buClr>
-              <a:buSzPct val="80000"/>
-              <a:buFont typeface="Wingdings 3" panose="05040102010807070707" pitchFamily="18" charset="2"/>
-              <a:buChar char=""/>
-              <a:defRPr sz="1800" kern="1200" cap="none">
-                <a:solidFill>
-                  <a:schemeClr val="tx1"/>
-                </a:solidFill>
-                <a:effectLst/>
-                <a:latin typeface="+mn-lt"/>
-                <a:ea typeface="+mn-ea"/>
-                <a:cs typeface="+mn-cs"/>
-              </a:defRPr>
-            </a:lvl2pPr>
-            <a:lvl3pPr marL="1200150" indent="-285750" algn="l" defTabSz="457200" rtl="0" eaLnBrk="1" latinLnBrk="0" hangingPunct="1">
-              <a:spcBef>
-                <a:spcPct val="20000"/>
-              </a:spcBef>
-              <a:spcAft>
-                <a:spcPts val="600"/>
-              </a:spcAft>
-              <a:buClr>
-                <a:schemeClr val="tx1"/>
-              </a:buClr>
-              <a:buSzPct val="80000"/>
-              <a:buFont typeface="Wingdings 3" panose="05040102010807070707" pitchFamily="18" charset="2"/>
-              <a:buChar char=""/>
-              <a:defRPr sz="1600" kern="1200" cap="none">
-                <a:solidFill>
-                  <a:schemeClr val="tx1"/>
-                </a:solidFill>
-                <a:effectLst/>
-                <a:latin typeface="+mn-lt"/>
-                <a:ea typeface="+mn-ea"/>
-                <a:cs typeface="+mn-cs"/>
-              </a:defRPr>
-            </a:lvl3pPr>
-            <a:lvl4pPr marL="1543050" indent="-171450" algn="l" defTabSz="457200" rtl="0" eaLnBrk="1" latinLnBrk="0" hangingPunct="1">
-              <a:spcBef>
-                <a:spcPct val="20000"/>
-              </a:spcBef>
-              <a:spcAft>
-                <a:spcPts val="600"/>
-              </a:spcAft>
-              <a:buClr>
-                <a:schemeClr val="tx1"/>
-              </a:buClr>
-              <a:buSzPct val="80000"/>
-              <a:buFont typeface="Wingdings 3" panose="05040102010807070707" pitchFamily="18" charset="2"/>
-              <a:buChar char=""/>
-              <a:defRPr sz="1400" kern="1200" cap="none">
-                <a:solidFill>
-                  <a:schemeClr val="tx1"/>
-                </a:solidFill>
-                <a:effectLst/>
-                <a:latin typeface="+mn-lt"/>
-                <a:ea typeface="+mn-ea"/>
-                <a:cs typeface="+mn-cs"/>
-              </a:defRPr>
-            </a:lvl4pPr>
-            <a:lvl5pPr marL="2000250" indent="-171450" algn="l" defTabSz="457200" rtl="0" eaLnBrk="1" latinLnBrk="0" hangingPunct="1">
-              <a:spcBef>
-                <a:spcPct val="20000"/>
-              </a:spcBef>
-              <a:spcAft>
-                <a:spcPts val="600"/>
-              </a:spcAft>
-              <a:buClr>
-                <a:schemeClr val="tx1"/>
-              </a:buClr>
-              <a:buSzPct val="80000"/>
-              <a:buFont typeface="Wingdings 3" panose="05040102010807070707" pitchFamily="18" charset="2"/>
-              <a:buChar char=""/>
-              <a:defRPr sz="1400" kern="1200" cap="none">
-                <a:solidFill>
-                  <a:schemeClr val="tx1"/>
-                </a:solidFill>
-                <a:effectLst/>
-                <a:latin typeface="+mn-lt"/>
-                <a:ea typeface="+mn-ea"/>
-                <a:cs typeface="+mn-cs"/>
-              </a:defRPr>
-            </a:lvl5pPr>
-            <a:lvl6pPr marL="2514600" indent="-228600" algn="l" defTabSz="457200" rtl="0" eaLnBrk="1" latinLnBrk="0" hangingPunct="1">
-              <a:spcBef>
-                <a:spcPct val="20000"/>
-              </a:spcBef>
-              <a:spcAft>
-                <a:spcPts val="600"/>
-              </a:spcAft>
-              <a:buClr>
-                <a:schemeClr val="tx1"/>
-              </a:buClr>
-              <a:buSzPct val="80000"/>
-              <a:buFont typeface="Wingdings 3" panose="05040102010807070707" pitchFamily="18" charset="2"/>
-              <a:buChar char=""/>
-              <a:defRPr sz="1400" kern="1200" cap="none">
-                <a:solidFill>
-                  <a:schemeClr val="bg2">
-                    <a:lumMod val="75000"/>
-                  </a:schemeClr>
-                </a:solidFill>
-                <a:effectLst/>
-                <a:latin typeface="+mn-lt"/>
-                <a:ea typeface="+mn-ea"/>
-                <a:cs typeface="+mn-cs"/>
-              </a:defRPr>
-            </a:lvl6pPr>
-            <a:lvl7pPr marL="2971800" indent="-228600" algn="l" defTabSz="457200" rtl="0" eaLnBrk="1" latinLnBrk="0" hangingPunct="1">
-              <a:spcBef>
-                <a:spcPct val="20000"/>
-              </a:spcBef>
-              <a:spcAft>
-                <a:spcPts val="600"/>
-              </a:spcAft>
-              <a:buClr>
-                <a:schemeClr val="tx1"/>
-              </a:buClr>
-              <a:buSzPct val="80000"/>
-              <a:buFont typeface="Wingdings 3" panose="05040102010807070707" pitchFamily="18" charset="2"/>
-              <a:buChar char=""/>
-              <a:defRPr sz="1400" kern="1200" cap="none">
-                <a:solidFill>
-                  <a:schemeClr val="bg2">
-                    <a:lumMod val="75000"/>
-                  </a:schemeClr>
-                </a:solidFill>
-                <a:effectLst/>
-                <a:latin typeface="+mn-lt"/>
-                <a:ea typeface="+mn-ea"/>
-                <a:cs typeface="+mn-cs"/>
-              </a:defRPr>
-            </a:lvl7pPr>
-            <a:lvl8pPr marL="3429000" indent="-228600" algn="l" defTabSz="457200" rtl="0" eaLnBrk="1" latinLnBrk="0" hangingPunct="1">
-              <a:spcBef>
-                <a:spcPct val="20000"/>
-              </a:spcBef>
-              <a:spcAft>
-                <a:spcPts val="600"/>
-              </a:spcAft>
-              <a:buClr>
-                <a:schemeClr val="tx1"/>
-              </a:buClr>
-              <a:buSzPct val="80000"/>
-              <a:buFont typeface="Wingdings 3" panose="05040102010807070707" pitchFamily="18" charset="2"/>
-              <a:buChar char=""/>
-              <a:defRPr sz="1400" kern="1200" cap="none">
-                <a:solidFill>
-                  <a:schemeClr val="bg2">
-                    <a:lumMod val="75000"/>
-                  </a:schemeClr>
-                </a:solidFill>
-                <a:effectLst/>
-                <a:latin typeface="+mn-lt"/>
-                <a:ea typeface="+mn-ea"/>
-                <a:cs typeface="+mn-cs"/>
-              </a:defRPr>
-            </a:lvl8pPr>
-            <a:lvl9pPr marL="3886200" indent="-228600" algn="l" defTabSz="457200" rtl="0" eaLnBrk="1" latinLnBrk="0" hangingPunct="1">
-              <a:spcBef>
-                <a:spcPct val="20000"/>
-              </a:spcBef>
-              <a:spcAft>
-                <a:spcPts val="600"/>
-              </a:spcAft>
-              <a:buClr>
-                <a:schemeClr val="tx1"/>
-              </a:buClr>
-              <a:buSzPct val="80000"/>
-              <a:buFont typeface="Wingdings 3" panose="05040102010807070707" pitchFamily="18" charset="2"/>
-              <a:buChar char=""/>
-              <a:defRPr sz="1400" kern="1200" cap="none">
-                <a:solidFill>
-                  <a:schemeClr val="bg2">
-                    <a:lumMod val="75000"/>
-                  </a:schemeClr>
-                </a:solidFill>
-                <a:effectLst/>
-                <a:latin typeface="+mn-lt"/>
-                <a:ea typeface="+mn-ea"/>
-                <a:cs typeface="+mn-cs"/>
-              </a:defRPr>
-            </a:lvl9pPr>
-          </a:lstStyle>
-          <a:p>
-            <a:r>
-              <a:rPr lang="en-US" dirty="0"/>
-              <a:t>Threads are a component of a process that Asynchronously execute commands/instructions.</a:t>
-            </a:r>
-          </a:p>
-          <a:p>
-            <a:r>
-              <a:rPr lang="en-US" dirty="0"/>
-              <a:t>They share resources and memory.</a:t>
-            </a:r>
-          </a:p>
-          <a:p>
-            <a:r>
-              <a:rPr lang="en-US" dirty="0"/>
-              <a:t>Typically used for performance. </a:t>
-            </a:r>
-          </a:p>
-          <a:p>
-            <a:pPr lvl="1"/>
-            <a:r>
-              <a:rPr lang="en-US" dirty="0"/>
-              <a:t>Break-up Large workloads into asynchronous tasks.</a:t>
-            </a:r>
-          </a:p>
-          <a:p>
-            <a:pPr lvl="1"/>
-            <a:r>
-              <a:rPr lang="en-US" dirty="0"/>
-              <a:t>Preventing GUIs from being unresponsive.</a:t>
-            </a:r>
-          </a:p>
-          <a:p>
-            <a:pPr lvl="1"/>
-            <a:r>
-              <a:rPr lang="en-US" dirty="0"/>
-              <a:t>Isolate actions and prevent variable collisions. </a:t>
-            </a:r>
-          </a:p>
-          <a:p>
-            <a:r>
-              <a:rPr lang="en-US" dirty="0"/>
-              <a:t>Can run under different credentials than the main process or other threads.</a:t>
-            </a:r>
-          </a:p>
-          <a:p>
-            <a:endParaRPr lang="en-US" dirty="0"/>
-          </a:p>
-          <a:p>
-            <a:endParaRPr lang="en-US" dirty="0"/>
-          </a:p>
-        </p:txBody>
-      </p:sp>
-    </p:spTree>
-    <p:extLst>
-      <p:ext uri="{BB962C8B-B14F-4D97-AF65-F5344CB8AC3E}">
-        <p14:creationId xmlns:p14="http://schemas.microsoft.com/office/powerpoint/2010/main" val="2029769849"/>
-      </p:ext>
-    </p:extLst>
-  </p:cSld>
-  <p:clrMapOvr>
-    <a:masterClrMapping/>
-  </p:clrMapOvr>
-</p:sld>
-</file>
-
 <file path=ppt/slides/slide6.xml><?xml version="1.0" encoding="utf-8"?>
 <p:sld xmlns:a="http://schemas.openxmlformats.org/drawingml/2006/main" xmlns:r="http://schemas.openxmlformats.org/officeDocument/2006/relationships" xmlns:p="http://schemas.openxmlformats.org/presentationml/2006/main">
   <p:cSld>
@@ -17759,7 +17352,7 @@
           <p:cNvPr id="2" name="Title 1">
             <a:extLst>
               <a:ext uri="{FF2B5EF4-FFF2-40B4-BE49-F238E27FC236}">
-                <a16:creationId xmlns:a16="http://schemas.microsoft.com/office/drawing/2014/main" id="{7138C905-966F-4ABA-B251-A1357715FB3B}"/>
+                <a16:creationId xmlns:a16="http://schemas.microsoft.com/office/drawing/2014/main" id="{04E6967A-588C-4984-AEE2-4D79DCAC6260}"/>
               </a:ext>
             </a:extLst>
           </p:cNvPr>
@@ -17777,153 +17370,497 @@
           <a:p>
             <a:r>
               <a:rPr lang="en-US" dirty="0"/>
-              <a:t>What about that shared memory?</a:t>
+              <a:t>What are the components you need?</a:t>
             </a:r>
           </a:p>
         </p:txBody>
       </p:sp>
-      <p:sp>
-        <p:nvSpPr>
-          <p:cNvPr id="3" name="Content Placeholder 2">
+      <p:graphicFrame>
+        <p:nvGraphicFramePr>
+          <p:cNvPr id="4" name="Content Placeholder 3">
             <a:extLst>
               <a:ext uri="{FF2B5EF4-FFF2-40B4-BE49-F238E27FC236}">
-                <a16:creationId xmlns:a16="http://schemas.microsoft.com/office/drawing/2014/main" id="{2228734E-EC4C-4DD8-9CF6-DEFA1B3AD186}"/>
+                <a16:creationId xmlns:a16="http://schemas.microsoft.com/office/drawing/2014/main" id="{DF9298E2-5F22-4F94-ABB8-AFB1BF0297B5}"/>
               </a:ext>
             </a:extLst>
           </p:cNvPr>
-          <p:cNvSpPr>
-            <a:spLocks noGrp="1"/>
-          </p:cNvSpPr>
+          <p:cNvGraphicFramePr>
+            <a:graphicFrameLocks noGrp="1"/>
+          </p:cNvGraphicFramePr>
           <p:nvPr>
             <p:ph idx="1"/>
+            <p:extLst>
+              <p:ext uri="{D42A27DB-BD31-4B8C-83A1-F6EECF244321}">
+                <p14:modId xmlns:p14="http://schemas.microsoft.com/office/powerpoint/2010/main" val="541385308"/>
+              </p:ext>
+            </p:extLst>
           </p:nvPr>
-        </p:nvSpPr>
-        <p:spPr/>
-        <p:txBody>
-          <a:bodyPr/>
-          <a:lstStyle/>
-          <a:p>
-            <a:r>
-              <a:rPr lang="en-US" dirty="0"/>
-              <a:t>Values can be passed to a </a:t>
-            </a:r>
-            <a:r>
-              <a:rPr lang="en-US" dirty="0" err="1"/>
-              <a:t>runspace</a:t>
-            </a:r>
-            <a:r>
-              <a:rPr lang="en-US" dirty="0"/>
-              <a:t> pool via a Synchronous Hash Table</a:t>
-            </a:r>
-          </a:p>
-          <a:p>
-            <a:pPr lvl="1"/>
-            <a:r>
-              <a:rPr lang="en-US" dirty="0">
-                <a:latin typeface="Consolas" panose="020B0609020204030204" pitchFamily="49" charset="0"/>
-              </a:rPr>
-              <a:t>[</a:t>
-            </a:r>
-            <a:r>
-              <a:rPr lang="en-US" dirty="0" err="1">
-                <a:latin typeface="Consolas" panose="020B0609020204030204" pitchFamily="49" charset="0"/>
-              </a:rPr>
-              <a:t>hashtable</a:t>
-            </a:r>
-            <a:r>
-              <a:rPr lang="en-US" dirty="0">
-                <a:latin typeface="Consolas" panose="020B0609020204030204" pitchFamily="49" charset="0"/>
-              </a:rPr>
-              <a:t>]::Synchronized(@{})</a:t>
-            </a:r>
-          </a:p>
-          <a:p>
-            <a:r>
-              <a:rPr lang="en-US" dirty="0"/>
-              <a:t>Single </a:t>
-            </a:r>
-            <a:r>
-              <a:rPr lang="en-US" dirty="0" err="1"/>
-              <a:t>runspaces</a:t>
-            </a:r>
-            <a:endParaRPr lang="en-US" dirty="0"/>
-          </a:p>
-          <a:p>
-            <a:pPr lvl="1"/>
-            <a:r>
-              <a:rPr lang="en-US" dirty="0">
-                <a:latin typeface="Consolas" panose="020B0609020204030204" pitchFamily="49" charset="0"/>
-              </a:rPr>
-              <a:t>$</a:t>
-            </a:r>
-            <a:r>
-              <a:rPr lang="en-US" dirty="0" err="1">
-                <a:latin typeface="Consolas" panose="020B0609020204030204" pitchFamily="49" charset="0"/>
-              </a:rPr>
-              <a:t>Runspace.SessionStateProxy.SetVariable</a:t>
-            </a:r>
-            <a:r>
-              <a:rPr lang="en-US" dirty="0">
-                <a:latin typeface="Consolas" panose="020B0609020204030204" pitchFamily="49" charset="0"/>
-              </a:rPr>
-              <a:t>(‘Name’, $</a:t>
-            </a:r>
-            <a:r>
-              <a:rPr lang="en-US" dirty="0" err="1">
-                <a:latin typeface="Consolas" panose="020B0609020204030204" pitchFamily="49" charset="0"/>
-              </a:rPr>
-              <a:t>HashTable</a:t>
-            </a:r>
-            <a:r>
-              <a:rPr lang="en-US" dirty="0">
-                <a:latin typeface="Consolas" panose="020B0609020204030204" pitchFamily="49" charset="0"/>
-              </a:rPr>
-              <a:t>)</a:t>
-            </a:r>
-          </a:p>
-          <a:p>
-            <a:r>
-              <a:rPr lang="en-US" dirty="0" err="1"/>
-              <a:t>Runspace</a:t>
-            </a:r>
-            <a:r>
-              <a:rPr lang="en-US" dirty="0"/>
-              <a:t> Pools</a:t>
-            </a:r>
-          </a:p>
-          <a:p>
-            <a:pPr lvl="1"/>
-            <a:r>
-              <a:rPr lang="en-US" dirty="0"/>
-              <a:t>Passed via Parameter into the script added to the </a:t>
-            </a:r>
-            <a:r>
-              <a:rPr lang="en-US" dirty="0" err="1"/>
-              <a:t>runspace</a:t>
-            </a:r>
-            <a:endParaRPr lang="en-US" dirty="0"/>
-          </a:p>
-          <a:p>
-            <a:pPr lvl="1"/>
-            <a:r>
-              <a:rPr lang="en-US" dirty="0"/>
-              <a:t>Other parameters are treated as a local variable to the </a:t>
-            </a:r>
-            <a:r>
-              <a:rPr lang="en-US" dirty="0" err="1"/>
-              <a:t>runspace</a:t>
-            </a:r>
-            <a:r>
-              <a:rPr lang="en-US" dirty="0"/>
-              <a:t>.</a:t>
-            </a:r>
-          </a:p>
-        </p:txBody>
-      </p:sp>
+        </p:nvGraphicFramePr>
+        <p:xfrm>
+          <a:off x="169816" y="1350065"/>
+          <a:ext cx="11852367" cy="2656840"/>
+        </p:xfrm>
+        <a:graphic>
+          <a:graphicData uri="http://schemas.openxmlformats.org/drawingml/2006/table">
+            <a:tbl>
+              <a:tblPr firstRow="1" bandRow="1">
+                <a:tableStyleId>{5C22544A-7EE6-4342-B048-85BDC9FD1C3A}</a:tableStyleId>
+              </a:tblPr>
+              <a:tblGrid>
+                <a:gridCol w="3950789">
+                  <a:extLst>
+                    <a:ext uri="{9D8B030D-6E8A-4147-A177-3AD203B41FA5}">
+                      <a16:colId xmlns:a16="http://schemas.microsoft.com/office/drawing/2014/main" val="1796025412"/>
+                    </a:ext>
+                  </a:extLst>
+                </a:gridCol>
+                <a:gridCol w="3950789">
+                  <a:extLst>
+                    <a:ext uri="{9D8B030D-6E8A-4147-A177-3AD203B41FA5}">
+                      <a16:colId xmlns:a16="http://schemas.microsoft.com/office/drawing/2014/main" val="3939348429"/>
+                    </a:ext>
+                  </a:extLst>
+                </a:gridCol>
+                <a:gridCol w="3950789">
+                  <a:extLst>
+                    <a:ext uri="{9D8B030D-6E8A-4147-A177-3AD203B41FA5}">
+                      <a16:colId xmlns:a16="http://schemas.microsoft.com/office/drawing/2014/main" val="3080938705"/>
+                    </a:ext>
+                  </a:extLst>
+                </a:gridCol>
+              </a:tblGrid>
+              <a:tr h="370840">
+                <a:tc>
+                  <a:txBody>
+                    <a:bodyPr/>
+                    <a:lstStyle/>
+                    <a:p>
+                      <a:pPr algn="ctr"/>
+                      <a:r>
+                        <a:rPr lang="en-US" dirty="0" err="1"/>
+                        <a:t>InitialSessionState</a:t>
+                      </a:r>
+                      <a:endParaRPr lang="en-US" dirty="0"/>
+                    </a:p>
+                  </a:txBody>
+                  <a:tcPr>
+                    <a:lnL w="12700" cmpd="sng">
+                      <a:noFill/>
+                    </a:lnL>
+                    <a:lnR w="12700" cmpd="sng">
+                      <a:noFill/>
+                    </a:lnR>
+                    <a:lnT w="12700" cmpd="sng">
+                      <a:noFill/>
+                    </a:lnT>
+                    <a:lnB w="38100" cmpd="sng">
+                      <a:noFill/>
+                    </a:lnB>
+                    <a:lnTlToBr w="12700" cmpd="sng">
+                      <a:noFill/>
+                      <a:prstDash val="solid"/>
+                    </a:lnTlToBr>
+                    <a:lnBlToTr w="12700" cmpd="sng">
+                      <a:noFill/>
+                      <a:prstDash val="solid"/>
+                    </a:lnBlToTr>
+                    <a:noFill/>
+                  </a:tcPr>
+                </a:tc>
+                <a:tc>
+                  <a:txBody>
+                    <a:bodyPr/>
+                    <a:lstStyle/>
+                    <a:p>
+                      <a:pPr algn="ctr"/>
+                      <a:r>
+                        <a:rPr lang="en-US" dirty="0" err="1"/>
+                        <a:t>Runspaces</a:t>
+                      </a:r>
+                      <a:r>
+                        <a:rPr lang="en-US" dirty="0"/>
+                        <a:t>/</a:t>
+                      </a:r>
+                      <a:r>
+                        <a:rPr lang="en-US" dirty="0" err="1"/>
+                        <a:t>RunspacePool</a:t>
+                      </a:r>
+                      <a:endParaRPr lang="en-US" dirty="0"/>
+                    </a:p>
+                  </a:txBody>
+                  <a:tcPr>
+                    <a:lnL w="12700" cmpd="sng">
+                      <a:noFill/>
+                    </a:lnL>
+                    <a:lnR w="12700" cmpd="sng">
+                      <a:noFill/>
+                    </a:lnR>
+                    <a:lnT w="12700" cmpd="sng">
+                      <a:noFill/>
+                    </a:lnT>
+                    <a:lnB w="38100" cmpd="sng">
+                      <a:noFill/>
+                    </a:lnB>
+                    <a:lnTlToBr w="12700" cmpd="sng">
+                      <a:noFill/>
+                      <a:prstDash val="solid"/>
+                    </a:lnTlToBr>
+                    <a:lnBlToTr w="12700" cmpd="sng">
+                      <a:noFill/>
+                      <a:prstDash val="solid"/>
+                    </a:lnBlToTr>
+                    <a:noFill/>
+                  </a:tcPr>
+                </a:tc>
+                <a:tc>
+                  <a:txBody>
+                    <a:bodyPr/>
+                    <a:lstStyle/>
+                    <a:p>
+                      <a:pPr algn="ctr"/>
+                      <a:r>
+                        <a:rPr lang="en-US" dirty="0" err="1"/>
+                        <a:t>Powershell</a:t>
+                      </a:r>
+                      <a:endParaRPr lang="en-US" dirty="0"/>
+                    </a:p>
+                  </a:txBody>
+                  <a:tcPr>
+                    <a:lnL w="12700" cmpd="sng">
+                      <a:noFill/>
+                    </a:lnL>
+                    <a:lnR w="12700" cmpd="sng">
+                      <a:noFill/>
+                    </a:lnR>
+                    <a:lnT w="12700" cmpd="sng">
+                      <a:noFill/>
+                    </a:lnT>
+                    <a:lnB w="38100" cmpd="sng">
+                      <a:noFill/>
+                    </a:lnB>
+                    <a:lnTlToBr w="12700" cmpd="sng">
+                      <a:noFill/>
+                      <a:prstDash val="solid"/>
+                    </a:lnTlToBr>
+                    <a:lnBlToTr w="12700" cmpd="sng">
+                      <a:noFill/>
+                      <a:prstDash val="solid"/>
+                    </a:lnBlToTr>
+                    <a:noFill/>
+                  </a:tcPr>
+                </a:tc>
+                <a:extLst>
+                  <a:ext uri="{0D108BD9-81ED-4DB2-BD59-A6C34878D82A}">
+                    <a16:rowId xmlns:a16="http://schemas.microsoft.com/office/drawing/2014/main" val="1975956896"/>
+                  </a:ext>
+                </a:extLst>
+              </a:tr>
+              <a:tr h="370840">
+                <a:tc>
+                  <a:txBody>
+                    <a:bodyPr/>
+                    <a:lstStyle/>
+                    <a:p>
+                      <a:pPr marL="285750" indent="-285750">
+                        <a:buFont typeface="Arial" panose="020B0604020202020204" pitchFamily="34" charset="0"/>
+                        <a:buChar char="•"/>
+                      </a:pPr>
+                      <a:r>
+                        <a:rPr lang="en-US" dirty="0">
+                          <a:solidFill>
+                            <a:schemeClr val="tx1"/>
+                          </a:solidFill>
+                        </a:rPr>
+                        <a:t>This is the resources, modules, variables, and Startup Scripts you want to run against your thread before your code executes.</a:t>
+                      </a:r>
+                    </a:p>
+                    <a:p>
+                      <a:pPr marL="285750" indent="-285750">
+                        <a:buFont typeface="Arial" panose="020B0604020202020204" pitchFamily="34" charset="0"/>
+                        <a:buChar char="•"/>
+                      </a:pPr>
+                      <a:r>
+                        <a:rPr lang="en-US" dirty="0">
+                          <a:solidFill>
+                            <a:schemeClr val="tx1"/>
+                          </a:solidFill>
+                        </a:rPr>
+                        <a:t>Default is good</a:t>
+                      </a:r>
+                    </a:p>
+                    <a:p>
+                      <a:pPr marL="285750" indent="-285750">
+                        <a:buFont typeface="Arial" panose="020B0604020202020204" pitchFamily="34" charset="0"/>
+                        <a:buChar char="•"/>
+                      </a:pPr>
+                      <a:r>
+                        <a:rPr lang="en-US" dirty="0">
+                          <a:solidFill>
+                            <a:schemeClr val="tx1"/>
+                          </a:solidFill>
+                        </a:rPr>
+                        <a:t>Building your own is annoying but great performance!</a:t>
+                      </a:r>
+                    </a:p>
+                  </a:txBody>
+                  <a:tcPr>
+                    <a:lnL w="12700" cmpd="sng">
+                      <a:noFill/>
+                    </a:lnL>
+                    <a:lnR w="12700" cmpd="sng">
+                      <a:noFill/>
+                    </a:lnR>
+                    <a:lnT w="38100" cmpd="sng">
+                      <a:noFill/>
+                    </a:lnT>
+                    <a:lnB w="12700" cmpd="sng">
+                      <a:noFill/>
+                    </a:lnB>
+                    <a:lnTlToBr w="12700" cmpd="sng">
+                      <a:noFill/>
+                      <a:prstDash val="solid"/>
+                    </a:lnTlToBr>
+                    <a:lnBlToTr w="12700" cmpd="sng">
+                      <a:noFill/>
+                      <a:prstDash val="solid"/>
+                    </a:lnBlToTr>
+                    <a:noFill/>
+                  </a:tcPr>
+                </a:tc>
+                <a:tc>
+                  <a:txBody>
+                    <a:bodyPr/>
+                    <a:lstStyle/>
+                    <a:p>
+                      <a:pPr marL="285750" indent="-285750">
+                        <a:buFont typeface="Arial" panose="020B0604020202020204" pitchFamily="34" charset="0"/>
+                        <a:buChar char="•"/>
+                      </a:pPr>
+                      <a:r>
+                        <a:rPr lang="en-US" dirty="0">
+                          <a:solidFill>
+                            <a:schemeClr val="tx1"/>
+                          </a:solidFill>
+                        </a:rPr>
+                        <a:t>This is the container for your processes.</a:t>
+                      </a:r>
+                    </a:p>
+                    <a:p>
+                      <a:pPr marL="285750" indent="-285750">
+                        <a:buFont typeface="Arial" panose="020B0604020202020204" pitchFamily="34" charset="0"/>
+                        <a:buChar char="•"/>
+                      </a:pPr>
+                      <a:r>
+                        <a:rPr lang="en-US" dirty="0">
+                          <a:solidFill>
+                            <a:schemeClr val="tx1"/>
+                          </a:solidFill>
+                        </a:rPr>
+                        <a:t>Matches up host, connection info, </a:t>
+                      </a:r>
+                      <a:r>
+                        <a:rPr lang="en-US" dirty="0" err="1">
+                          <a:solidFill>
+                            <a:schemeClr val="tx1"/>
+                          </a:solidFill>
+                        </a:rPr>
+                        <a:t>InitialSessionState</a:t>
+                      </a:r>
+                      <a:r>
+                        <a:rPr lang="en-US" dirty="0">
+                          <a:solidFill>
+                            <a:schemeClr val="tx1"/>
+                          </a:solidFill>
+                        </a:rPr>
+                        <a:t> and other things to you script.</a:t>
+                      </a:r>
+                    </a:p>
+                    <a:p>
+                      <a:pPr marL="285750" indent="-285750">
+                        <a:buFont typeface="Arial" panose="020B0604020202020204" pitchFamily="34" charset="0"/>
+                        <a:buChar char="•"/>
+                      </a:pPr>
+                      <a:r>
+                        <a:rPr lang="en-US" dirty="0" err="1">
+                          <a:solidFill>
+                            <a:schemeClr val="tx1"/>
+                          </a:solidFill>
+                        </a:rPr>
+                        <a:t>Runspaces</a:t>
+                      </a:r>
+                      <a:r>
+                        <a:rPr lang="en-US" dirty="0">
+                          <a:solidFill>
+                            <a:schemeClr val="tx1"/>
+                          </a:solidFill>
+                        </a:rPr>
+                        <a:t> = single-thread</a:t>
+                      </a:r>
+                    </a:p>
+                    <a:p>
+                      <a:pPr marL="285750" indent="-285750">
+                        <a:buFont typeface="Arial" panose="020B0604020202020204" pitchFamily="34" charset="0"/>
+                        <a:buChar char="•"/>
+                      </a:pPr>
+                      <a:r>
+                        <a:rPr lang="en-US" dirty="0" err="1">
+                          <a:solidFill>
+                            <a:schemeClr val="tx1"/>
+                          </a:solidFill>
+                        </a:rPr>
+                        <a:t>RunspacePool</a:t>
+                      </a:r>
+                      <a:r>
+                        <a:rPr lang="en-US" dirty="0">
+                          <a:solidFill>
+                            <a:schemeClr val="tx1"/>
+                          </a:solidFill>
+                        </a:rPr>
+                        <a:t> = multi-thread</a:t>
+                      </a:r>
+                    </a:p>
+                    <a:p>
+                      <a:pPr marL="0" indent="0">
+                        <a:buFont typeface="Arial" panose="020B0604020202020204" pitchFamily="34" charset="0"/>
+                        <a:buNone/>
+                      </a:pPr>
+                      <a:endParaRPr lang="en-US" dirty="0">
+                        <a:solidFill>
+                          <a:schemeClr val="tx1"/>
+                        </a:solidFill>
+                      </a:endParaRPr>
+                    </a:p>
+                  </a:txBody>
+                  <a:tcPr>
+                    <a:lnL w="12700" cmpd="sng">
+                      <a:noFill/>
+                    </a:lnL>
+                    <a:lnR w="12700" cmpd="sng">
+                      <a:noFill/>
+                    </a:lnR>
+                    <a:lnT w="38100" cmpd="sng">
+                      <a:noFill/>
+                    </a:lnT>
+                    <a:lnB w="12700" cmpd="sng">
+                      <a:noFill/>
+                    </a:lnB>
+                    <a:lnTlToBr w="12700" cmpd="sng">
+                      <a:noFill/>
+                      <a:prstDash val="solid"/>
+                    </a:lnTlToBr>
+                    <a:lnBlToTr w="12700" cmpd="sng">
+                      <a:noFill/>
+                      <a:prstDash val="solid"/>
+                    </a:lnBlToTr>
+                    <a:noFill/>
+                  </a:tcPr>
+                </a:tc>
+                <a:tc>
+                  <a:txBody>
+                    <a:bodyPr/>
+                    <a:lstStyle/>
+                    <a:p>
+                      <a:pPr marL="285750" indent="-285750">
+                        <a:buFont typeface="Arial" panose="020B0604020202020204" pitchFamily="34" charset="0"/>
+                        <a:buChar char="•"/>
+                      </a:pPr>
+                      <a:r>
+                        <a:rPr lang="en-US" dirty="0">
+                          <a:solidFill>
+                            <a:schemeClr val="tx1"/>
+                          </a:solidFill>
+                        </a:rPr>
+                        <a:t>What gets executed.</a:t>
+                      </a:r>
+                    </a:p>
+                    <a:p>
+                      <a:pPr marL="285750" indent="-285750">
+                        <a:buFont typeface="Arial" panose="020B0604020202020204" pitchFamily="34" charset="0"/>
+                        <a:buChar char="•"/>
+                      </a:pPr>
+                      <a:r>
+                        <a:rPr lang="en-US" dirty="0" err="1">
+                          <a:solidFill>
+                            <a:schemeClr val="tx1"/>
+                          </a:solidFill>
+                        </a:rPr>
+                        <a:t>Scripblock</a:t>
+                      </a:r>
+                      <a:r>
+                        <a:rPr lang="en-US" dirty="0">
+                          <a:solidFill>
+                            <a:schemeClr val="tx1"/>
+                          </a:solidFill>
+                        </a:rPr>
+                        <a:t>, parameters, commands, </a:t>
+                      </a:r>
+                      <a:r>
+                        <a:rPr lang="en-US" dirty="0" err="1">
+                          <a:solidFill>
+                            <a:schemeClr val="tx1"/>
+                          </a:solidFill>
+                        </a:rPr>
+                        <a:t>etc</a:t>
+                      </a:r>
+                      <a:endParaRPr lang="en-US" dirty="0">
+                        <a:solidFill>
+                          <a:schemeClr val="tx1"/>
+                        </a:solidFill>
+                      </a:endParaRPr>
+                    </a:p>
+                    <a:p>
+                      <a:pPr marL="285750" indent="-285750">
+                        <a:buFont typeface="Arial" panose="020B0604020202020204" pitchFamily="34" charset="0"/>
+                        <a:buChar char="•"/>
+                      </a:pPr>
+                      <a:r>
+                        <a:rPr lang="en-US" dirty="0">
+                          <a:solidFill>
+                            <a:schemeClr val="tx1"/>
+                          </a:solidFill>
+                        </a:rPr>
+                        <a:t>How they should be changed together. </a:t>
+                      </a:r>
+                    </a:p>
+                  </a:txBody>
+                  <a:tcPr>
+                    <a:lnL w="12700" cmpd="sng">
+                      <a:noFill/>
+                    </a:lnL>
+                    <a:lnR w="12700" cmpd="sng">
+                      <a:noFill/>
+                    </a:lnR>
+                    <a:lnT w="38100" cmpd="sng">
+                      <a:noFill/>
+                    </a:lnT>
+                    <a:lnB w="12700" cmpd="sng">
+                      <a:noFill/>
+                    </a:lnB>
+                    <a:lnTlToBr w="12700" cmpd="sng">
+                      <a:noFill/>
+                      <a:prstDash val="solid"/>
+                    </a:lnTlToBr>
+                    <a:lnBlToTr w="12700" cmpd="sng">
+                      <a:noFill/>
+                      <a:prstDash val="solid"/>
+                    </a:lnBlToTr>
+                    <a:noFill/>
+                  </a:tcPr>
+                </a:tc>
+                <a:extLst>
+                  <a:ext uri="{0D108BD9-81ED-4DB2-BD59-A6C34878D82A}">
+                    <a16:rowId xmlns:a16="http://schemas.microsoft.com/office/drawing/2014/main" val="1155957663"/>
+                  </a:ext>
+                </a:extLst>
+              </a:tr>
+            </a:tbl>
+          </a:graphicData>
+        </a:graphic>
+      </p:graphicFrame>
     </p:spTree>
     <p:extLst>
       <p:ext uri="{BB962C8B-B14F-4D97-AF65-F5344CB8AC3E}">
-        <p14:creationId xmlns:p14="http://schemas.microsoft.com/office/powerpoint/2010/main" val="289799184"/>
+        <p14:creationId xmlns:p14="http://schemas.microsoft.com/office/powerpoint/2010/main" val="4268927425"/>
       </p:ext>
     </p:extLst>
   </p:cSld>
@@ -17952,13 +17889,7 @@
       </p:grpSpPr>
       <p:sp>
         <p:nvSpPr>
-          <p:cNvPr id="4" name="Text Placeholder 3">
-            <a:extLst>
-              <a:ext uri="{FF2B5EF4-FFF2-40B4-BE49-F238E27FC236}">
-                <a16:creationId xmlns:a16="http://schemas.microsoft.com/office/drawing/2014/main" id="{D5060A55-F983-4B3D-9496-6114645D6CD8}"/>
-              </a:ext>
-            </a:extLst>
-          </p:cNvPr>
+          <p:cNvPr id="7" name="Text Placeholder 6"/>
           <p:cNvSpPr>
             <a:spLocks noGrp="1"/>
           </p:cNvSpPr>
@@ -17981,15 +17912,20 @@
           <a:p>
             <a:r>
               <a:rPr lang="en-US" dirty="0"/>
-              <a:t>Shared Memory</a:t>
-            </a:r>
+              <a:t>Using </a:t>
+            </a:r>
+            <a:r>
+              <a:rPr lang="en-US" dirty="0" err="1"/>
+              <a:t>Runspace</a:t>
+            </a:r>
+            <a:endParaRPr lang="en-US" dirty="0"/>
           </a:p>
         </p:txBody>
       </p:sp>
     </p:spTree>
     <p:extLst>
       <p:ext uri="{BB962C8B-B14F-4D97-AF65-F5344CB8AC3E}">
-        <p14:creationId xmlns:p14="http://schemas.microsoft.com/office/powerpoint/2010/main" val="3680903936"/>
+        <p14:creationId xmlns:p14="http://schemas.microsoft.com/office/powerpoint/2010/main" val="1641866525"/>
       </p:ext>
     </p:extLst>
   </p:cSld>
@@ -18509,6 +18445,21 @@
 </file>
 
 <file path=customXml/item1.xml><?xml version="1.0" encoding="utf-8"?>
+<?mso-contentType ?>
+<FormTemplates xmlns="http://schemas.microsoft.com/sharepoint/v3/contenttype/forms">
+  <Display>DocumentLibraryForm</Display>
+  <Edit>DocumentLibraryForm</Edit>
+  <New>DocumentLibraryForm</New>
+</FormTemplates>
+</file>
+
+<file path=customXml/item2.xml><?xml version="1.0" encoding="utf-8"?>
+<p:properties xmlns:p="http://schemas.microsoft.com/office/2006/metadata/properties" xmlns:xsi="http://www.w3.org/2001/XMLSchema-instance" xmlns:pc="http://schemas.microsoft.com/office/infopath/2007/PartnerControls">
+  <documentManagement/>
+</p:properties>
+</file>
+
+<file path=customXml/item3.xml><?xml version="1.0" encoding="utf-8"?>
 <ct:contentTypeSchema xmlns:ct="http://schemas.microsoft.com/office/2006/metadata/contentType" xmlns:ma="http://schemas.microsoft.com/office/2006/metadata/properties/metaAttributes" ct:_="" ma:_="" ma:contentTypeName="Document" ma:contentTypeID="0x010100CFD7474EC5F9804A8C0915A0D2B3E72B" ma:contentTypeVersion="6" ma:contentTypeDescription="Create a new document." ma:contentTypeScope="" ma:versionID="1e506071d132a47b68c5589909b09f0e">
   <xsd:schema xmlns:xsd="http://www.w3.org/2001/XMLSchema" xmlns:xs="http://www.w3.org/2001/XMLSchema" xmlns:p="http://schemas.microsoft.com/office/2006/metadata/properties" xmlns:ns2="437d3976-146d-487e-9b32-45ade7cdb3c3" xmlns:ns3="ba924082-f255-4689-bc14-7c311a17681c" targetNamespace="http://schemas.microsoft.com/office/2006/metadata/properties" ma:root="true" ma:fieldsID="d9451a99ae5dfcf301f63b02ef9f83d5" ns2:_="" ns3:_="">
     <xsd:import namespace="437d3976-146d-487e-9b32-45ade7cdb3c3"/>
@@ -18687,36 +18638,10 @@
 </ct:contentTypeSchema>
 </file>
 
-<file path=customXml/item2.xml><?xml version="1.0" encoding="utf-8"?>
-<p:properties xmlns:p="http://schemas.microsoft.com/office/2006/metadata/properties" xmlns:xsi="http://www.w3.org/2001/XMLSchema-instance" xmlns:pc="http://schemas.microsoft.com/office/infopath/2007/PartnerControls">
-  <documentManagement/>
-</p:properties>
-</file>
-
-<file path=customXml/item3.xml><?xml version="1.0" encoding="utf-8"?>
-<?mso-contentType ?>
-<FormTemplates xmlns="http://schemas.microsoft.com/sharepoint/v3/contenttype/forms">
-  <Display>DocumentLibraryForm</Display>
-  <Edit>DocumentLibraryForm</Edit>
-  <New>DocumentLibraryForm</New>
-</FormTemplates>
-</file>
-
 <file path=customXml/itemProps1.xml><?xml version="1.0" encoding="utf-8"?>
-<ds:datastoreItem xmlns:ds="http://schemas.openxmlformats.org/officeDocument/2006/customXml" ds:itemID="{1881FD18-C877-47D9-A9C8-9B9EB7A5D424}">
+<ds:datastoreItem xmlns:ds="http://schemas.openxmlformats.org/officeDocument/2006/customXml" ds:itemID="{8F9099B0-B9E3-45A6-848D-7EA25626C078}">
   <ds:schemaRefs>
-    <ds:schemaRef ds:uri="http://schemas.microsoft.com/office/2006/metadata/contentType"/>
-    <ds:schemaRef ds:uri="http://schemas.microsoft.com/office/2006/metadata/properties/metaAttributes"/>
-    <ds:schemaRef ds:uri="http://www.w3.org/2001/XMLSchema"/>
-    <ds:schemaRef ds:uri="http://schemas.microsoft.com/office/2006/metadata/properties"/>
-    <ds:schemaRef ds:uri="437d3976-146d-487e-9b32-45ade7cdb3c3"/>
-    <ds:schemaRef ds:uri="ba924082-f255-4689-bc14-7c311a17681c"/>
-    <ds:schemaRef ds:uri="http://schemas.microsoft.com/office/2006/documentManagement/types"/>
-    <ds:schemaRef ds:uri="http://schemas.microsoft.com/office/infopath/2007/PartnerControls"/>
-    <ds:schemaRef ds:uri="http://schemas.openxmlformats.org/package/2006/metadata/core-properties"/>
-    <ds:schemaRef ds:uri="http://purl.org/dc/elements/1.1/"/>
-    <ds:schemaRef ds:uri="http://purl.org/dc/terms/"/>
-    <ds:schemaRef ds:uri="http://schemas.microsoft.com/internal/obd"/>
+    <ds:schemaRef ds:uri="http://schemas.microsoft.com/sharepoint/v3/contenttype/forms"/>
   </ds:schemaRefs>
 </ds:datastoreItem>
 </file>
@@ -18739,9 +18664,20 @@
 </file>
 
 <file path=customXml/itemProps3.xml><?xml version="1.0" encoding="utf-8"?>
-<ds:datastoreItem xmlns:ds="http://schemas.openxmlformats.org/officeDocument/2006/customXml" ds:itemID="{8F9099B0-B9E3-45A6-848D-7EA25626C078}">
+<ds:datastoreItem xmlns:ds="http://schemas.openxmlformats.org/officeDocument/2006/customXml" ds:itemID="{1881FD18-C877-47D9-A9C8-9B9EB7A5D424}">
   <ds:schemaRefs>
-    <ds:schemaRef ds:uri="http://schemas.microsoft.com/sharepoint/v3/contenttype/forms"/>
+    <ds:schemaRef ds:uri="http://schemas.microsoft.com/office/2006/metadata/contentType"/>
+    <ds:schemaRef ds:uri="http://schemas.microsoft.com/office/2006/metadata/properties/metaAttributes"/>
+    <ds:schemaRef ds:uri="http://www.w3.org/2001/XMLSchema"/>
+    <ds:schemaRef ds:uri="http://schemas.microsoft.com/office/2006/metadata/properties"/>
+    <ds:schemaRef ds:uri="437d3976-146d-487e-9b32-45ade7cdb3c3"/>
+    <ds:schemaRef ds:uri="ba924082-f255-4689-bc14-7c311a17681c"/>
+    <ds:schemaRef ds:uri="http://schemas.microsoft.com/office/2006/documentManagement/types"/>
+    <ds:schemaRef ds:uri="http://schemas.microsoft.com/office/infopath/2007/PartnerControls"/>
+    <ds:schemaRef ds:uri="http://schemas.openxmlformats.org/package/2006/metadata/core-properties"/>
+    <ds:schemaRef ds:uri="http://purl.org/dc/elements/1.1/"/>
+    <ds:schemaRef ds:uri="http://purl.org/dc/terms/"/>
+    <ds:schemaRef ds:uri="http://schemas.microsoft.com/internal/obd"/>
   </ds:schemaRefs>
 </ds:datastoreItem>
 </file>